--- a/Matches/IDPA - Renton - November 2020/Dude Your Dog Left a Grumpy.pptx
+++ b/Matches/IDPA - Renton - November 2020/Dude Your Dog Left a Grumpy.pptx
@@ -4226,14 +4226,14 @@
           <p:nvPr>
             <p:extLst>
               <p:ext uri="{D42A27DB-BD31-4B8C-83A1-F6EECF244321}">
-                <p14:modId xmlns:p14="http://schemas.microsoft.com/office/powerpoint/2010/main" val="1038553619"/>
+                <p14:modId xmlns:p14="http://schemas.microsoft.com/office/powerpoint/2010/main" val="915889505"/>
               </p:ext>
             </p:extLst>
           </p:nvPr>
         </p:nvGraphicFramePr>
         <p:xfrm>
           <a:off x="152400" y="152400"/>
-          <a:ext cx="7010400" cy="3962241"/>
+          <a:ext cx="7010400" cy="4069916"/>
         </p:xfrm>
         <a:graphic>
           <a:graphicData uri="http://schemas.openxmlformats.org/drawingml/2006/table">
@@ -4646,7 +4646,7 @@
                         <a:t>SCENARIO: </a:t>
                       </a:r>
                       <a:r>
-                        <a:rPr kumimoji="0" lang="en-US" altLang="en-US" sz="1100" b="1" i="0" u="none" strike="noStrike" cap="none" normalizeH="0" baseline="0" dirty="0">
+                        <a:rPr kumimoji="0" lang="en-US" altLang="en-US" sz="1100" b="0" i="0" u="none" strike="noStrike" cap="none" normalizeH="0" baseline="0" dirty="0">
                           <a:ln>
                             <a:noFill/>
                           </a:ln>
@@ -4657,9 +4657,9 @@
                           <a:latin typeface="Arial" panose="020B0604020202020204" pitchFamily="34" charset="0"/>
                           <a:ea typeface="MS PGothic" panose="020B0600070205080204" pitchFamily="34" charset="-128"/>
                         </a:rPr>
-                        <a:t>While enjoying lunch on your porch, a crap weasel lets his dogs drop a grumpy on your lawn. After reprimanding the slob, he pulls out a pistol and yells for his buddies to throw a beat down … take action to protect yourself and your home </a:t>
+                        <a:t>While enjoying lunch on your porch, a crap weasel lets his dogs drop a grumpy on your lawn. After reprimanding the slob, he pulls out a pistol and yells for his buddies to throw a beat down. Take action to protect yourself and your home.</a:t>
                       </a:r>
-                      <a:endParaRPr kumimoji="0" lang="en-US" sz="1100" b="1" i="0" u="none" strike="noStrike" cap="none" normalizeH="0" baseline="0" dirty="0">
+                      <a:endParaRPr kumimoji="0" lang="en-US" sz="1100" b="0" i="0" u="none" strike="noStrike" cap="none" normalizeH="0" baseline="0" dirty="0">
                         <a:ln>
                           <a:noFill/>
                         </a:ln>
@@ -4795,7 +4795,7 @@
                         <a:t>START POSITION: </a:t>
                       </a:r>
                       <a:r>
-                        <a:rPr kumimoji="0" lang="en-US" altLang="en-US" sz="1100" b="1" i="0" u="none" strike="noStrike" cap="none" normalizeH="0" baseline="0" dirty="0">
+                        <a:rPr kumimoji="0" lang="en-US" altLang="en-US" sz="1100" b="0" i="0" u="none" strike="noStrike" cap="none" normalizeH="0" baseline="0" dirty="0">
                           <a:ln>
                             <a:noFill/>
                           </a:ln>
@@ -4806,9 +4806,9 @@
                           <a:latin typeface="Arial" panose="020B0604020202020204" pitchFamily="34" charset="0"/>
                           <a:ea typeface="MS PGothic" panose="020B0600070205080204" pitchFamily="34" charset="-128"/>
                         </a:rPr>
-                        <a:t>Seated on chair at P1  holding newspaper with both hands and gun holstered</a:t>
+                        <a:t>Seated in chair at P1, loaded and holstered, back against back of chair, holding newspaper with both hands.</a:t>
                       </a:r>
-                      <a:endParaRPr kumimoji="0" lang="en-US" sz="1100" b="1" i="0" u="none" strike="noStrike" cap="none" normalizeH="0" baseline="0" dirty="0">
+                      <a:endParaRPr kumimoji="0" lang="en-US" sz="1100" b="0" i="0" u="none" strike="noStrike" cap="none" normalizeH="0" baseline="0" dirty="0">
                         <a:ln>
                           <a:noFill/>
                         </a:ln>
@@ -5014,7 +5014,7 @@
                           <a:ea typeface="ＭＳ Ｐゴシック" pitchFamily="-112" charset="-128"/>
                           <a:cs typeface="Times New Roman" pitchFamily="-112" charset="0"/>
                         </a:rPr>
-                        <a:t>ROUND COUNT:      18</a:t>
+                        <a:t>ROUND COUNT:      14</a:t>
                       </a:r>
                     </a:p>
                     <a:p>
@@ -5047,7 +5047,7 @@
                           <a:ea typeface="ＭＳ Ｐゴシック" pitchFamily="-112" charset="-128"/>
                           <a:cs typeface="Times New Roman" pitchFamily="-112" charset="0"/>
                         </a:rPr>
-                        <a:t>TARGETS:	         9 IDPA</a:t>
+                        <a:t>TARGETS:	         7 IDPA</a:t>
                       </a:r>
                     </a:p>
                     <a:p>
@@ -5209,7 +5209,22 @@
                           <a:ea typeface="ＭＳ Ｐゴシック" pitchFamily="-112" charset="-128"/>
                           <a:cs typeface="Times New Roman" pitchFamily="-112" charset="0"/>
                         </a:rPr>
-                        <a:t>SO NOTES:PCC start with stock on belt, muzzle pointing downrange.</a:t>
+                        <a:t>SO NOTES:</a:t>
+                      </a:r>
+                      <a:r>
+                        <a:rPr kumimoji="0" lang="en-US" sz="1100" b="0" i="0" u="none" strike="noStrike" cap="none" normalizeH="0" baseline="0" dirty="0">
+                          <a:ln>
+                            <a:noFill/>
+                          </a:ln>
+                          <a:solidFill>
+                            <a:schemeClr val="tx1"/>
+                          </a:solidFill>
+                          <a:effectLst/>
+                          <a:latin typeface="Arial" charset="0"/>
+                          <a:ea typeface="ＭＳ Ｐゴシック" pitchFamily="-112" charset="-128"/>
+                          <a:cs typeface="Times New Roman" pitchFamily="-112" charset="0"/>
+                        </a:rPr>
+                        <a:t>PCC start with gun on table, muzzle pointing downrange.</a:t>
                       </a:r>
                     </a:p>
                   </a:txBody>
@@ -5315,7 +5330,7 @@
                         <a:t>STAGE PROCEDURE: </a:t>
                       </a:r>
                       <a:r>
-                        <a:rPr kumimoji="0" lang="en-US" altLang="en-US" sz="1100" b="1" i="0" u="none" strike="noStrike" cap="none" normalizeH="0" baseline="0" dirty="0">
+                        <a:rPr kumimoji="0" lang="en-US" altLang="en-US" sz="1100" b="0" i="0" u="none" strike="noStrike" cap="none" normalizeH="0" baseline="0" dirty="0">
                           <a:ln>
                             <a:noFill/>
                           </a:ln>
@@ -5326,9 +5341,9 @@
                           <a:latin typeface="Arial" panose="020B0604020202020204" pitchFamily="34" charset="0"/>
                           <a:ea typeface="MS PGothic" panose="020B0600070205080204" pitchFamily="34" charset="-128"/>
                         </a:rPr>
-                        <a:t>At the start of the signal Engage D1-D2 with at least 2 rounds in any order then engage T1 – all shots while seated. Then move to P2 and engage T2-T4 and pp1 with at least 2 rounds, then move to P3 to engage T5 </a:t>
+                        <a:t>At the start signal, engage T1-T3 with at least 2 rounds each while seated. Then engage remaining targets from available cover positions.</a:t>
                       </a:r>
-                      <a:endParaRPr kumimoji="0" lang="en-US" sz="1100" b="1" i="0" u="none" strike="noStrike" cap="none" normalizeH="0" baseline="0" dirty="0">
+                      <a:endParaRPr kumimoji="0" lang="en-US" sz="1100" b="0" i="0" u="none" strike="noStrike" cap="none" normalizeH="0" baseline="0" dirty="0">
                         <a:ln>
                           <a:noFill/>
                         </a:ln>
@@ -5837,202 +5852,6 @@
       </p:grpSp>
       <p:sp>
         <p:nvSpPr>
-          <p:cNvPr id="215" name="TextBox 114">
-            <a:extLst>
-              <a:ext uri="{FF2B5EF4-FFF2-40B4-BE49-F238E27FC236}">
-                <a16:creationId xmlns:a16="http://schemas.microsoft.com/office/drawing/2014/main" id="{CB156465-43E2-E44A-A0CB-8E5752ED7C82}"/>
-              </a:ext>
-            </a:extLst>
-          </p:cNvPr>
-          <p:cNvSpPr txBox="1">
-            <a:spLocks noChangeArrowheads="1"/>
-          </p:cNvSpPr>
-          <p:nvPr/>
-        </p:nvSpPr>
-        <p:spPr bwMode="auto">
-          <a:xfrm>
-            <a:off x="4408407" y="6454775"/>
-            <a:ext cx="727075" cy="246063"/>
-          </a:xfrm>
-          <a:prstGeom prst="rect">
-            <a:avLst/>
-          </a:prstGeom>
-          <a:noFill/>
-          <a:ln>
-            <a:noFill/>
-          </a:ln>
-          <a:extLst>
-            <a:ext uri="{909E8E84-426E-40DD-AFC4-6F175D3DCCD1}">
-              <a14:hiddenFill xmlns:a14="http://schemas.microsoft.com/office/drawing/2010/main">
-                <a:solidFill>
-                  <a:srgbClr val="FFFFFF"/>
-                </a:solidFill>
-              </a14:hiddenFill>
-            </a:ext>
-            <a:ext uri="{91240B29-F687-4F45-9708-019B960494DF}">
-              <a14:hiddenLine xmlns:a14="http://schemas.microsoft.com/office/drawing/2010/main" w="9525">
-                <a:solidFill>
-                  <a:srgbClr val="000000"/>
-                </a:solidFill>
-                <a:miter lim="800000"/>
-                <a:headEnd/>
-                <a:tailEnd/>
-              </a14:hiddenLine>
-            </a:ext>
-          </a:extLst>
-        </p:spPr>
-        <p:txBody>
-          <a:bodyPr>
-            <a:spAutoFit/>
-          </a:bodyPr>
-          <a:lstStyle>
-            <a:lvl1pPr>
-              <a:spcBef>
-                <a:spcPct val="20000"/>
-              </a:spcBef>
-              <a:buChar char="•"/>
-              <a:defRPr sz="3400">
-                <a:solidFill>
-                  <a:schemeClr val="tx1"/>
-                </a:solidFill>
-                <a:latin typeface="Arial" panose="020B0604020202020204" pitchFamily="34" charset="0"/>
-                <a:ea typeface="ＭＳ Ｐゴシック" panose="020B0600070205080204" pitchFamily="34" charset="-128"/>
-              </a:defRPr>
-            </a:lvl1pPr>
-            <a:lvl2pPr marL="742950" indent="-285750">
-              <a:spcBef>
-                <a:spcPct val="20000"/>
-              </a:spcBef>
-              <a:buChar char="–"/>
-              <a:defRPr sz="3000">
-                <a:solidFill>
-                  <a:schemeClr val="tx1"/>
-                </a:solidFill>
-                <a:latin typeface="Arial" panose="020B0604020202020204" pitchFamily="34" charset="0"/>
-                <a:ea typeface="ＭＳ Ｐゴシック" panose="020B0600070205080204" pitchFamily="34" charset="-128"/>
-              </a:defRPr>
-            </a:lvl2pPr>
-            <a:lvl3pPr marL="1143000" indent="-228600">
-              <a:spcBef>
-                <a:spcPct val="20000"/>
-              </a:spcBef>
-              <a:buChar char="•"/>
-              <a:defRPr sz="2500">
-                <a:solidFill>
-                  <a:schemeClr val="tx1"/>
-                </a:solidFill>
-                <a:latin typeface="Arial" panose="020B0604020202020204" pitchFamily="34" charset="0"/>
-                <a:ea typeface="ＭＳ Ｐゴシック" panose="020B0600070205080204" pitchFamily="34" charset="-128"/>
-              </a:defRPr>
-            </a:lvl3pPr>
-            <a:lvl4pPr marL="1600200" indent="-228600">
-              <a:spcBef>
-                <a:spcPct val="20000"/>
-              </a:spcBef>
-              <a:buChar char="–"/>
-              <a:defRPr sz="2100">
-                <a:solidFill>
-                  <a:schemeClr val="tx1"/>
-                </a:solidFill>
-                <a:latin typeface="Arial" panose="020B0604020202020204" pitchFamily="34" charset="0"/>
-                <a:ea typeface="ＭＳ Ｐゴシック" panose="020B0600070205080204" pitchFamily="34" charset="-128"/>
-              </a:defRPr>
-            </a:lvl4pPr>
-            <a:lvl5pPr marL="2057400" indent="-228600">
-              <a:spcBef>
-                <a:spcPct val="20000"/>
-              </a:spcBef>
-              <a:buChar char="»"/>
-              <a:defRPr sz="2100">
-                <a:solidFill>
-                  <a:schemeClr val="tx1"/>
-                </a:solidFill>
-                <a:latin typeface="Arial" panose="020B0604020202020204" pitchFamily="34" charset="0"/>
-                <a:ea typeface="ＭＳ Ｐゴシック" panose="020B0600070205080204" pitchFamily="34" charset="-128"/>
-              </a:defRPr>
-            </a:lvl5pPr>
-            <a:lvl6pPr marL="2514600" indent="-228600" eaLnBrk="0" fontAlgn="base" hangingPunct="0">
-              <a:spcBef>
-                <a:spcPct val="20000"/>
-              </a:spcBef>
-              <a:spcAft>
-                <a:spcPct val="0"/>
-              </a:spcAft>
-              <a:buChar char="»"/>
-              <a:defRPr sz="2100">
-                <a:solidFill>
-                  <a:schemeClr val="tx1"/>
-                </a:solidFill>
-                <a:latin typeface="Arial" panose="020B0604020202020204" pitchFamily="34" charset="0"/>
-                <a:ea typeface="ＭＳ Ｐゴシック" panose="020B0600070205080204" pitchFamily="34" charset="-128"/>
-              </a:defRPr>
-            </a:lvl6pPr>
-            <a:lvl7pPr marL="2971800" indent="-228600" eaLnBrk="0" fontAlgn="base" hangingPunct="0">
-              <a:spcBef>
-                <a:spcPct val="20000"/>
-              </a:spcBef>
-              <a:spcAft>
-                <a:spcPct val="0"/>
-              </a:spcAft>
-              <a:buChar char="»"/>
-              <a:defRPr sz="2100">
-                <a:solidFill>
-                  <a:schemeClr val="tx1"/>
-                </a:solidFill>
-                <a:latin typeface="Arial" panose="020B0604020202020204" pitchFamily="34" charset="0"/>
-                <a:ea typeface="ＭＳ Ｐゴシック" panose="020B0600070205080204" pitchFamily="34" charset="-128"/>
-              </a:defRPr>
-            </a:lvl7pPr>
-            <a:lvl8pPr marL="3429000" indent="-228600" eaLnBrk="0" fontAlgn="base" hangingPunct="0">
-              <a:spcBef>
-                <a:spcPct val="20000"/>
-              </a:spcBef>
-              <a:spcAft>
-                <a:spcPct val="0"/>
-              </a:spcAft>
-              <a:buChar char="»"/>
-              <a:defRPr sz="2100">
-                <a:solidFill>
-                  <a:schemeClr val="tx1"/>
-                </a:solidFill>
-                <a:latin typeface="Arial" panose="020B0604020202020204" pitchFamily="34" charset="0"/>
-                <a:ea typeface="ＭＳ Ｐゴシック" panose="020B0600070205080204" pitchFamily="34" charset="-128"/>
-              </a:defRPr>
-            </a:lvl8pPr>
-            <a:lvl9pPr marL="3886200" indent="-228600" eaLnBrk="0" fontAlgn="base" hangingPunct="0">
-              <a:spcBef>
-                <a:spcPct val="20000"/>
-              </a:spcBef>
-              <a:spcAft>
-                <a:spcPct val="0"/>
-              </a:spcAft>
-              <a:buChar char="»"/>
-              <a:defRPr sz="2100">
-                <a:solidFill>
-                  <a:schemeClr val="tx1"/>
-                </a:solidFill>
-                <a:latin typeface="Arial" panose="020B0604020202020204" pitchFamily="34" charset="0"/>
-                <a:ea typeface="ＭＳ Ｐゴシック" panose="020B0600070205080204" pitchFamily="34" charset="-128"/>
-              </a:defRPr>
-            </a:lvl9pPr>
-          </a:lstStyle>
-          <a:p>
-            <a:pPr eaLnBrk="1" hangingPunct="1">
-              <a:spcBef>
-                <a:spcPct val="0"/>
-              </a:spcBef>
-              <a:buFontTx/>
-              <a:buNone/>
-            </a:pPr>
-            <a:r>
-              <a:rPr lang="en-US" altLang="en-US" sz="1000"/>
-              <a:t>T2-T4</a:t>
-            </a:r>
-          </a:p>
-        </p:txBody>
-      </p:sp>
-      <p:sp>
-        <p:nvSpPr>
           <p:cNvPr id="216" name="TextBox 158">
             <a:extLst>
               <a:ext uri="{FF2B5EF4-FFF2-40B4-BE49-F238E27FC236}">
@@ -6223,202 +6042,6 @@
             <a:r>
               <a:rPr lang="en-US" altLang="en-US" sz="1100"/>
               <a:t> </a:t>
-            </a:r>
-          </a:p>
-        </p:txBody>
-      </p:sp>
-      <p:sp>
-        <p:nvSpPr>
-          <p:cNvPr id="217" name="TextBox 114">
-            <a:extLst>
-              <a:ext uri="{FF2B5EF4-FFF2-40B4-BE49-F238E27FC236}">
-                <a16:creationId xmlns:a16="http://schemas.microsoft.com/office/drawing/2014/main" id="{2D979B58-7A34-F649-84C3-C036E9C536C9}"/>
-              </a:ext>
-            </a:extLst>
-          </p:cNvPr>
-          <p:cNvSpPr txBox="1">
-            <a:spLocks noChangeArrowheads="1"/>
-          </p:cNvSpPr>
-          <p:nvPr/>
-        </p:nvSpPr>
-        <p:spPr bwMode="auto">
-          <a:xfrm>
-            <a:off x="1103232" y="7354888"/>
-            <a:ext cx="381000" cy="246062"/>
-          </a:xfrm>
-          <a:prstGeom prst="rect">
-            <a:avLst/>
-          </a:prstGeom>
-          <a:noFill/>
-          <a:ln>
-            <a:noFill/>
-          </a:ln>
-          <a:extLst>
-            <a:ext uri="{909E8E84-426E-40DD-AFC4-6F175D3DCCD1}">
-              <a14:hiddenFill xmlns:a14="http://schemas.microsoft.com/office/drawing/2010/main">
-                <a:solidFill>
-                  <a:srgbClr val="FFFFFF"/>
-                </a:solidFill>
-              </a14:hiddenFill>
-            </a:ext>
-            <a:ext uri="{91240B29-F687-4F45-9708-019B960494DF}">
-              <a14:hiddenLine xmlns:a14="http://schemas.microsoft.com/office/drawing/2010/main" w="9525">
-                <a:solidFill>
-                  <a:srgbClr val="000000"/>
-                </a:solidFill>
-                <a:miter lim="800000"/>
-                <a:headEnd/>
-                <a:tailEnd/>
-              </a14:hiddenLine>
-            </a:ext>
-          </a:extLst>
-        </p:spPr>
-        <p:txBody>
-          <a:bodyPr>
-            <a:spAutoFit/>
-          </a:bodyPr>
-          <a:lstStyle>
-            <a:lvl1pPr>
-              <a:spcBef>
-                <a:spcPct val="20000"/>
-              </a:spcBef>
-              <a:buChar char="•"/>
-              <a:defRPr sz="3400">
-                <a:solidFill>
-                  <a:schemeClr val="tx1"/>
-                </a:solidFill>
-                <a:latin typeface="Arial" panose="020B0604020202020204" pitchFamily="34" charset="0"/>
-                <a:ea typeface="ＭＳ Ｐゴシック" panose="020B0600070205080204" pitchFamily="34" charset="-128"/>
-              </a:defRPr>
-            </a:lvl1pPr>
-            <a:lvl2pPr marL="742950" indent="-285750">
-              <a:spcBef>
-                <a:spcPct val="20000"/>
-              </a:spcBef>
-              <a:buChar char="–"/>
-              <a:defRPr sz="3000">
-                <a:solidFill>
-                  <a:schemeClr val="tx1"/>
-                </a:solidFill>
-                <a:latin typeface="Arial" panose="020B0604020202020204" pitchFamily="34" charset="0"/>
-                <a:ea typeface="ＭＳ Ｐゴシック" panose="020B0600070205080204" pitchFamily="34" charset="-128"/>
-              </a:defRPr>
-            </a:lvl2pPr>
-            <a:lvl3pPr marL="1143000" indent="-228600">
-              <a:spcBef>
-                <a:spcPct val="20000"/>
-              </a:spcBef>
-              <a:buChar char="•"/>
-              <a:defRPr sz="2500">
-                <a:solidFill>
-                  <a:schemeClr val="tx1"/>
-                </a:solidFill>
-                <a:latin typeface="Arial" panose="020B0604020202020204" pitchFamily="34" charset="0"/>
-                <a:ea typeface="ＭＳ Ｐゴシック" panose="020B0600070205080204" pitchFamily="34" charset="-128"/>
-              </a:defRPr>
-            </a:lvl3pPr>
-            <a:lvl4pPr marL="1600200" indent="-228600">
-              <a:spcBef>
-                <a:spcPct val="20000"/>
-              </a:spcBef>
-              <a:buChar char="–"/>
-              <a:defRPr sz="2100">
-                <a:solidFill>
-                  <a:schemeClr val="tx1"/>
-                </a:solidFill>
-                <a:latin typeface="Arial" panose="020B0604020202020204" pitchFamily="34" charset="0"/>
-                <a:ea typeface="ＭＳ Ｐゴシック" panose="020B0600070205080204" pitchFamily="34" charset="-128"/>
-              </a:defRPr>
-            </a:lvl4pPr>
-            <a:lvl5pPr marL="2057400" indent="-228600">
-              <a:spcBef>
-                <a:spcPct val="20000"/>
-              </a:spcBef>
-              <a:buChar char="»"/>
-              <a:defRPr sz="2100">
-                <a:solidFill>
-                  <a:schemeClr val="tx1"/>
-                </a:solidFill>
-                <a:latin typeface="Arial" panose="020B0604020202020204" pitchFamily="34" charset="0"/>
-                <a:ea typeface="ＭＳ Ｐゴシック" panose="020B0600070205080204" pitchFamily="34" charset="-128"/>
-              </a:defRPr>
-            </a:lvl5pPr>
-            <a:lvl6pPr marL="2514600" indent="-228600" eaLnBrk="0" fontAlgn="base" hangingPunct="0">
-              <a:spcBef>
-                <a:spcPct val="20000"/>
-              </a:spcBef>
-              <a:spcAft>
-                <a:spcPct val="0"/>
-              </a:spcAft>
-              <a:buChar char="»"/>
-              <a:defRPr sz="2100">
-                <a:solidFill>
-                  <a:schemeClr val="tx1"/>
-                </a:solidFill>
-                <a:latin typeface="Arial" panose="020B0604020202020204" pitchFamily="34" charset="0"/>
-                <a:ea typeface="ＭＳ Ｐゴシック" panose="020B0600070205080204" pitchFamily="34" charset="-128"/>
-              </a:defRPr>
-            </a:lvl6pPr>
-            <a:lvl7pPr marL="2971800" indent="-228600" eaLnBrk="0" fontAlgn="base" hangingPunct="0">
-              <a:spcBef>
-                <a:spcPct val="20000"/>
-              </a:spcBef>
-              <a:spcAft>
-                <a:spcPct val="0"/>
-              </a:spcAft>
-              <a:buChar char="»"/>
-              <a:defRPr sz="2100">
-                <a:solidFill>
-                  <a:schemeClr val="tx1"/>
-                </a:solidFill>
-                <a:latin typeface="Arial" panose="020B0604020202020204" pitchFamily="34" charset="0"/>
-                <a:ea typeface="ＭＳ Ｐゴシック" panose="020B0600070205080204" pitchFamily="34" charset="-128"/>
-              </a:defRPr>
-            </a:lvl7pPr>
-            <a:lvl8pPr marL="3429000" indent="-228600" eaLnBrk="0" fontAlgn="base" hangingPunct="0">
-              <a:spcBef>
-                <a:spcPct val="20000"/>
-              </a:spcBef>
-              <a:spcAft>
-                <a:spcPct val="0"/>
-              </a:spcAft>
-              <a:buChar char="»"/>
-              <a:defRPr sz="2100">
-                <a:solidFill>
-                  <a:schemeClr val="tx1"/>
-                </a:solidFill>
-                <a:latin typeface="Arial" panose="020B0604020202020204" pitchFamily="34" charset="0"/>
-                <a:ea typeface="ＭＳ Ｐゴシック" panose="020B0600070205080204" pitchFamily="34" charset="-128"/>
-              </a:defRPr>
-            </a:lvl8pPr>
-            <a:lvl9pPr marL="3886200" indent="-228600" eaLnBrk="0" fontAlgn="base" hangingPunct="0">
-              <a:spcBef>
-                <a:spcPct val="20000"/>
-              </a:spcBef>
-              <a:spcAft>
-                <a:spcPct val="0"/>
-              </a:spcAft>
-              <a:buChar char="»"/>
-              <a:defRPr sz="2100">
-                <a:solidFill>
-                  <a:schemeClr val="tx1"/>
-                </a:solidFill>
-                <a:latin typeface="Arial" panose="020B0604020202020204" pitchFamily="34" charset="0"/>
-                <a:ea typeface="ＭＳ Ｐゴシック" panose="020B0600070205080204" pitchFamily="34" charset="-128"/>
-              </a:defRPr>
-            </a:lvl9pPr>
-          </a:lstStyle>
-          <a:p>
-            <a:pPr eaLnBrk="1" hangingPunct="1">
-              <a:spcBef>
-                <a:spcPct val="0"/>
-              </a:spcBef>
-              <a:buFontTx/>
-              <a:buNone/>
-            </a:pPr>
-            <a:r>
-              <a:rPr lang="en-US" altLang="en-US" sz="1000"/>
-              <a:t>P1 </a:t>
             </a:r>
           </a:p>
         </p:txBody>
@@ -10047,464 +9670,6 @@
           </p:txBody>
         </p:sp>
       </p:grpSp>
-      <p:sp>
-        <p:nvSpPr>
-          <p:cNvPr id="257" name="TextBox 9">
-            <a:extLst>
-              <a:ext uri="{FF2B5EF4-FFF2-40B4-BE49-F238E27FC236}">
-                <a16:creationId xmlns:a16="http://schemas.microsoft.com/office/drawing/2014/main" id="{C6433788-92B0-C942-B3B0-098BD05C4CBA}"/>
-              </a:ext>
-            </a:extLst>
-          </p:cNvPr>
-          <p:cNvSpPr txBox="1">
-            <a:spLocks noChangeArrowheads="1"/>
-          </p:cNvSpPr>
-          <p:nvPr/>
-        </p:nvSpPr>
-        <p:spPr bwMode="auto">
-          <a:xfrm>
-            <a:off x="4333794" y="7588250"/>
-            <a:ext cx="392113" cy="246063"/>
-          </a:xfrm>
-          <a:prstGeom prst="rect">
-            <a:avLst/>
-          </a:prstGeom>
-          <a:noFill/>
-          <a:ln>
-            <a:noFill/>
-          </a:ln>
-          <a:extLst>
-            <a:ext uri="{909E8E84-426E-40DD-AFC4-6F175D3DCCD1}">
-              <a14:hiddenFill xmlns:a14="http://schemas.microsoft.com/office/drawing/2010/main">
-                <a:solidFill>
-                  <a:srgbClr val="FFFFFF"/>
-                </a:solidFill>
-              </a14:hiddenFill>
-            </a:ext>
-            <a:ext uri="{91240B29-F687-4F45-9708-019B960494DF}">
-              <a14:hiddenLine xmlns:a14="http://schemas.microsoft.com/office/drawing/2010/main" w="9525">
-                <a:solidFill>
-                  <a:srgbClr val="000000"/>
-                </a:solidFill>
-                <a:miter lim="800000"/>
-                <a:headEnd/>
-                <a:tailEnd/>
-              </a14:hiddenLine>
-            </a:ext>
-          </a:extLst>
-        </p:spPr>
-        <p:txBody>
-          <a:bodyPr>
-            <a:spAutoFit/>
-          </a:bodyPr>
-          <a:lstStyle>
-            <a:lvl1pPr>
-              <a:spcBef>
-                <a:spcPct val="20000"/>
-              </a:spcBef>
-              <a:buChar char="•"/>
-              <a:defRPr sz="3400">
-                <a:solidFill>
-                  <a:schemeClr val="tx1"/>
-                </a:solidFill>
-                <a:latin typeface="Arial" panose="020B0604020202020204" pitchFamily="34" charset="0"/>
-                <a:ea typeface="ＭＳ Ｐゴシック" panose="020B0600070205080204" pitchFamily="34" charset="-128"/>
-              </a:defRPr>
-            </a:lvl1pPr>
-            <a:lvl2pPr marL="742950" indent="-285750">
-              <a:spcBef>
-                <a:spcPct val="20000"/>
-              </a:spcBef>
-              <a:buChar char="–"/>
-              <a:defRPr sz="3000">
-                <a:solidFill>
-                  <a:schemeClr val="tx1"/>
-                </a:solidFill>
-                <a:latin typeface="Arial" panose="020B0604020202020204" pitchFamily="34" charset="0"/>
-                <a:ea typeface="ＭＳ Ｐゴシック" panose="020B0600070205080204" pitchFamily="34" charset="-128"/>
-              </a:defRPr>
-            </a:lvl2pPr>
-            <a:lvl3pPr marL="1143000" indent="-228600">
-              <a:spcBef>
-                <a:spcPct val="20000"/>
-              </a:spcBef>
-              <a:buChar char="•"/>
-              <a:defRPr sz="2500">
-                <a:solidFill>
-                  <a:schemeClr val="tx1"/>
-                </a:solidFill>
-                <a:latin typeface="Arial" panose="020B0604020202020204" pitchFamily="34" charset="0"/>
-                <a:ea typeface="ＭＳ Ｐゴシック" panose="020B0600070205080204" pitchFamily="34" charset="-128"/>
-              </a:defRPr>
-            </a:lvl3pPr>
-            <a:lvl4pPr marL="1600200" indent="-228600">
-              <a:spcBef>
-                <a:spcPct val="20000"/>
-              </a:spcBef>
-              <a:buChar char="–"/>
-              <a:defRPr sz="2100">
-                <a:solidFill>
-                  <a:schemeClr val="tx1"/>
-                </a:solidFill>
-                <a:latin typeface="Arial" panose="020B0604020202020204" pitchFamily="34" charset="0"/>
-                <a:ea typeface="ＭＳ Ｐゴシック" panose="020B0600070205080204" pitchFamily="34" charset="-128"/>
-              </a:defRPr>
-            </a:lvl4pPr>
-            <a:lvl5pPr marL="2057400" indent="-228600">
-              <a:spcBef>
-                <a:spcPct val="20000"/>
-              </a:spcBef>
-              <a:buChar char="»"/>
-              <a:defRPr sz="2100">
-                <a:solidFill>
-                  <a:schemeClr val="tx1"/>
-                </a:solidFill>
-                <a:latin typeface="Arial" panose="020B0604020202020204" pitchFamily="34" charset="0"/>
-                <a:ea typeface="ＭＳ Ｐゴシック" panose="020B0600070205080204" pitchFamily="34" charset="-128"/>
-              </a:defRPr>
-            </a:lvl5pPr>
-            <a:lvl6pPr marL="2514600" indent="-228600" eaLnBrk="0" fontAlgn="base" hangingPunct="0">
-              <a:spcBef>
-                <a:spcPct val="20000"/>
-              </a:spcBef>
-              <a:spcAft>
-                <a:spcPct val="0"/>
-              </a:spcAft>
-              <a:buChar char="»"/>
-              <a:defRPr sz="2100">
-                <a:solidFill>
-                  <a:schemeClr val="tx1"/>
-                </a:solidFill>
-                <a:latin typeface="Arial" panose="020B0604020202020204" pitchFamily="34" charset="0"/>
-                <a:ea typeface="ＭＳ Ｐゴシック" panose="020B0600070205080204" pitchFamily="34" charset="-128"/>
-              </a:defRPr>
-            </a:lvl6pPr>
-            <a:lvl7pPr marL="2971800" indent="-228600" eaLnBrk="0" fontAlgn="base" hangingPunct="0">
-              <a:spcBef>
-                <a:spcPct val="20000"/>
-              </a:spcBef>
-              <a:spcAft>
-                <a:spcPct val="0"/>
-              </a:spcAft>
-              <a:buChar char="»"/>
-              <a:defRPr sz="2100">
-                <a:solidFill>
-                  <a:schemeClr val="tx1"/>
-                </a:solidFill>
-                <a:latin typeface="Arial" panose="020B0604020202020204" pitchFamily="34" charset="0"/>
-                <a:ea typeface="ＭＳ Ｐゴシック" panose="020B0600070205080204" pitchFamily="34" charset="-128"/>
-              </a:defRPr>
-            </a:lvl7pPr>
-            <a:lvl8pPr marL="3429000" indent="-228600" eaLnBrk="0" fontAlgn="base" hangingPunct="0">
-              <a:spcBef>
-                <a:spcPct val="20000"/>
-              </a:spcBef>
-              <a:spcAft>
-                <a:spcPct val="0"/>
-              </a:spcAft>
-              <a:buChar char="»"/>
-              <a:defRPr sz="2100">
-                <a:solidFill>
-                  <a:schemeClr val="tx1"/>
-                </a:solidFill>
-                <a:latin typeface="Arial" panose="020B0604020202020204" pitchFamily="34" charset="0"/>
-                <a:ea typeface="ＭＳ Ｐゴシック" panose="020B0600070205080204" pitchFamily="34" charset="-128"/>
-              </a:defRPr>
-            </a:lvl8pPr>
-            <a:lvl9pPr marL="3886200" indent="-228600" eaLnBrk="0" fontAlgn="base" hangingPunct="0">
-              <a:spcBef>
-                <a:spcPct val="20000"/>
-              </a:spcBef>
-              <a:spcAft>
-                <a:spcPct val="0"/>
-              </a:spcAft>
-              <a:buChar char="»"/>
-              <a:defRPr sz="2100">
-                <a:solidFill>
-                  <a:schemeClr val="tx1"/>
-                </a:solidFill>
-                <a:latin typeface="Arial" panose="020B0604020202020204" pitchFamily="34" charset="0"/>
-                <a:ea typeface="ＭＳ Ｐゴシック" panose="020B0600070205080204" pitchFamily="34" charset="-128"/>
-              </a:defRPr>
-            </a:lvl9pPr>
-          </a:lstStyle>
-          <a:p>
-            <a:pPr eaLnBrk="1" hangingPunct="1">
-              <a:spcBef>
-                <a:spcPct val="0"/>
-              </a:spcBef>
-              <a:buFontTx/>
-              <a:buNone/>
-            </a:pPr>
-            <a:r>
-              <a:rPr lang="en-US" altLang="en-US" sz="1000"/>
-              <a:t>P2</a:t>
-            </a:r>
-          </a:p>
-        </p:txBody>
-      </p:sp>
-      <p:sp>
-        <p:nvSpPr>
-          <p:cNvPr id="258" name="Rectangle 257">
-            <a:extLst>
-              <a:ext uri="{FF2B5EF4-FFF2-40B4-BE49-F238E27FC236}">
-                <a16:creationId xmlns:a16="http://schemas.microsoft.com/office/drawing/2014/main" id="{D8B95076-F3C9-634E-829E-5BC09EFF1374}"/>
-              </a:ext>
-            </a:extLst>
-          </p:cNvPr>
-          <p:cNvSpPr>
-            <a:spLocks noChangeArrowheads="1"/>
-          </p:cNvSpPr>
-          <p:nvPr/>
-        </p:nvSpPr>
-        <p:spPr bwMode="auto">
-          <a:xfrm>
-            <a:off x="828594" y="6897688"/>
-            <a:ext cx="868363" cy="261937"/>
-          </a:xfrm>
-          <a:prstGeom prst="rect">
-            <a:avLst/>
-          </a:prstGeom>
-          <a:gradFill rotWithShape="1">
-            <a:gsLst>
-              <a:gs pos="0">
-                <a:srgbClr val="CBFFFF"/>
-              </a:gs>
-              <a:gs pos="100000">
-                <a:srgbClr val="B5E5E9"/>
-              </a:gs>
-            </a:gsLst>
-            <a:lin ang="5400000"/>
-          </a:gradFill>
-          <a:ln w="9525">
-            <a:solidFill>
-              <a:srgbClr val="B6DCDF"/>
-            </a:solidFill>
-            <a:miter lim="800000"/>
-            <a:headEnd/>
-            <a:tailEnd/>
-          </a:ln>
-          <a:effectLst>
-            <a:outerShdw blurRad="40000" dist="23000" dir="5400000" rotWithShape="0">
-              <a:srgbClr val="808080">
-                <a:alpha val="34998"/>
-              </a:srgbClr>
-            </a:outerShdw>
-          </a:effectLst>
-        </p:spPr>
-        <p:txBody>
-          <a:bodyPr anchor="ctr"/>
-          <a:lstStyle/>
-          <a:p>
-            <a:pPr algn="ctr" eaLnBrk="1" hangingPunct="1">
-              <a:defRPr/>
-            </a:pPr>
-            <a:endParaRPr lang="en-US">
-              <a:solidFill>
-                <a:schemeClr val="lt1"/>
-              </a:solidFill>
-              <a:latin typeface="+mn-lt"/>
-              <a:ea typeface="+mn-ea"/>
-            </a:endParaRPr>
-          </a:p>
-        </p:txBody>
-      </p:sp>
-      <p:sp>
-        <p:nvSpPr>
-          <p:cNvPr id="259" name="TextBox 3">
-            <a:extLst>
-              <a:ext uri="{FF2B5EF4-FFF2-40B4-BE49-F238E27FC236}">
-                <a16:creationId xmlns:a16="http://schemas.microsoft.com/office/drawing/2014/main" id="{CC900781-E441-564F-9B7F-AE58C5C339EB}"/>
-              </a:ext>
-            </a:extLst>
-          </p:cNvPr>
-          <p:cNvSpPr txBox="1">
-            <a:spLocks noChangeArrowheads="1"/>
-          </p:cNvSpPr>
-          <p:nvPr/>
-        </p:nvSpPr>
-        <p:spPr bwMode="auto">
-          <a:xfrm>
-            <a:off x="166607" y="5788025"/>
-            <a:ext cx="555625" cy="247650"/>
-          </a:xfrm>
-          <a:prstGeom prst="rect">
-            <a:avLst/>
-          </a:prstGeom>
-          <a:noFill/>
-          <a:ln>
-            <a:noFill/>
-          </a:ln>
-          <a:extLst>
-            <a:ext uri="{909E8E84-426E-40DD-AFC4-6F175D3DCCD1}">
-              <a14:hiddenFill xmlns:a14="http://schemas.microsoft.com/office/drawing/2010/main">
-                <a:solidFill>
-                  <a:srgbClr val="FFFFFF"/>
-                </a:solidFill>
-              </a14:hiddenFill>
-            </a:ext>
-            <a:ext uri="{91240B29-F687-4F45-9708-019B960494DF}">
-              <a14:hiddenLine xmlns:a14="http://schemas.microsoft.com/office/drawing/2010/main" w="9525">
-                <a:solidFill>
-                  <a:srgbClr val="000000"/>
-                </a:solidFill>
-                <a:miter lim="800000"/>
-                <a:headEnd/>
-                <a:tailEnd/>
-              </a14:hiddenLine>
-            </a:ext>
-          </a:extLst>
-        </p:spPr>
-        <p:txBody>
-          <a:bodyPr wrap="none">
-            <a:spAutoFit/>
-          </a:bodyPr>
-          <a:lstStyle>
-            <a:lvl1pPr>
-              <a:spcBef>
-                <a:spcPct val="20000"/>
-              </a:spcBef>
-              <a:buChar char="•"/>
-              <a:defRPr sz="3400">
-                <a:solidFill>
-                  <a:schemeClr val="tx1"/>
-                </a:solidFill>
-                <a:latin typeface="Arial" panose="020B0604020202020204" pitchFamily="34" charset="0"/>
-                <a:ea typeface="ＭＳ Ｐゴシック" panose="020B0600070205080204" pitchFamily="34" charset="-128"/>
-              </a:defRPr>
-            </a:lvl1pPr>
-            <a:lvl2pPr marL="742950" indent="-285750">
-              <a:spcBef>
-                <a:spcPct val="20000"/>
-              </a:spcBef>
-              <a:buChar char="–"/>
-              <a:defRPr sz="3000">
-                <a:solidFill>
-                  <a:schemeClr val="tx1"/>
-                </a:solidFill>
-                <a:latin typeface="Arial" panose="020B0604020202020204" pitchFamily="34" charset="0"/>
-                <a:ea typeface="ＭＳ Ｐゴシック" panose="020B0600070205080204" pitchFamily="34" charset="-128"/>
-              </a:defRPr>
-            </a:lvl2pPr>
-            <a:lvl3pPr marL="1143000" indent="-228600">
-              <a:spcBef>
-                <a:spcPct val="20000"/>
-              </a:spcBef>
-              <a:buChar char="•"/>
-              <a:defRPr sz="2500">
-                <a:solidFill>
-                  <a:schemeClr val="tx1"/>
-                </a:solidFill>
-                <a:latin typeface="Arial" panose="020B0604020202020204" pitchFamily="34" charset="0"/>
-                <a:ea typeface="ＭＳ Ｐゴシック" panose="020B0600070205080204" pitchFamily="34" charset="-128"/>
-              </a:defRPr>
-            </a:lvl3pPr>
-            <a:lvl4pPr marL="1600200" indent="-228600">
-              <a:spcBef>
-                <a:spcPct val="20000"/>
-              </a:spcBef>
-              <a:buChar char="–"/>
-              <a:defRPr sz="2100">
-                <a:solidFill>
-                  <a:schemeClr val="tx1"/>
-                </a:solidFill>
-                <a:latin typeface="Arial" panose="020B0604020202020204" pitchFamily="34" charset="0"/>
-                <a:ea typeface="ＭＳ Ｐゴシック" panose="020B0600070205080204" pitchFamily="34" charset="-128"/>
-              </a:defRPr>
-            </a:lvl4pPr>
-            <a:lvl5pPr marL="2057400" indent="-228600">
-              <a:spcBef>
-                <a:spcPct val="20000"/>
-              </a:spcBef>
-              <a:buChar char="»"/>
-              <a:defRPr sz="2100">
-                <a:solidFill>
-                  <a:schemeClr val="tx1"/>
-                </a:solidFill>
-                <a:latin typeface="Arial" panose="020B0604020202020204" pitchFamily="34" charset="0"/>
-                <a:ea typeface="ＭＳ Ｐゴシック" panose="020B0600070205080204" pitchFamily="34" charset="-128"/>
-              </a:defRPr>
-            </a:lvl5pPr>
-            <a:lvl6pPr marL="2514600" indent="-228600" eaLnBrk="0" fontAlgn="base" hangingPunct="0">
-              <a:spcBef>
-                <a:spcPct val="20000"/>
-              </a:spcBef>
-              <a:spcAft>
-                <a:spcPct val="0"/>
-              </a:spcAft>
-              <a:buChar char="»"/>
-              <a:defRPr sz="2100">
-                <a:solidFill>
-                  <a:schemeClr val="tx1"/>
-                </a:solidFill>
-                <a:latin typeface="Arial" panose="020B0604020202020204" pitchFamily="34" charset="0"/>
-                <a:ea typeface="ＭＳ Ｐゴシック" panose="020B0600070205080204" pitchFamily="34" charset="-128"/>
-              </a:defRPr>
-            </a:lvl6pPr>
-            <a:lvl7pPr marL="2971800" indent="-228600" eaLnBrk="0" fontAlgn="base" hangingPunct="0">
-              <a:spcBef>
-                <a:spcPct val="20000"/>
-              </a:spcBef>
-              <a:spcAft>
-                <a:spcPct val="0"/>
-              </a:spcAft>
-              <a:buChar char="»"/>
-              <a:defRPr sz="2100">
-                <a:solidFill>
-                  <a:schemeClr val="tx1"/>
-                </a:solidFill>
-                <a:latin typeface="Arial" panose="020B0604020202020204" pitchFamily="34" charset="0"/>
-                <a:ea typeface="ＭＳ Ｐゴシック" panose="020B0600070205080204" pitchFamily="34" charset="-128"/>
-              </a:defRPr>
-            </a:lvl7pPr>
-            <a:lvl8pPr marL="3429000" indent="-228600" eaLnBrk="0" fontAlgn="base" hangingPunct="0">
-              <a:spcBef>
-                <a:spcPct val="20000"/>
-              </a:spcBef>
-              <a:spcAft>
-                <a:spcPct val="0"/>
-              </a:spcAft>
-              <a:buChar char="»"/>
-              <a:defRPr sz="2100">
-                <a:solidFill>
-                  <a:schemeClr val="tx1"/>
-                </a:solidFill>
-                <a:latin typeface="Arial" panose="020B0604020202020204" pitchFamily="34" charset="0"/>
-                <a:ea typeface="ＭＳ Ｐゴシック" panose="020B0600070205080204" pitchFamily="34" charset="-128"/>
-              </a:defRPr>
-            </a:lvl8pPr>
-            <a:lvl9pPr marL="3886200" indent="-228600" eaLnBrk="0" fontAlgn="base" hangingPunct="0">
-              <a:spcBef>
-                <a:spcPct val="20000"/>
-              </a:spcBef>
-              <a:spcAft>
-                <a:spcPct val="0"/>
-              </a:spcAft>
-              <a:buChar char="»"/>
-              <a:defRPr sz="2100">
-                <a:solidFill>
-                  <a:schemeClr val="tx1"/>
-                </a:solidFill>
-                <a:latin typeface="Arial" panose="020B0604020202020204" pitchFamily="34" charset="0"/>
-                <a:ea typeface="ＭＳ Ｐゴシック" panose="020B0600070205080204" pitchFamily="34" charset="-128"/>
-              </a:defRPr>
-            </a:lvl9pPr>
-          </a:lstStyle>
-          <a:p>
-            <a:pPr eaLnBrk="1" hangingPunct="1">
-              <a:spcBef>
-                <a:spcPct val="0"/>
-              </a:spcBef>
-              <a:buFontTx/>
-              <a:buNone/>
-            </a:pPr>
-            <a:r>
-              <a:rPr lang="en-US" altLang="en-US" sz="1000"/>
-              <a:t>D1-D2</a:t>
-            </a:r>
-          </a:p>
-        </p:txBody>
-      </p:sp>
       <p:pic>
         <p:nvPicPr>
           <p:cNvPr id="260" name="Picture 99">
@@ -10745,202 +9910,6 @@
           </a:extLst>
         </p:spPr>
       </p:pic>
-      <p:sp>
-        <p:nvSpPr>
-          <p:cNvPr id="264" name="TextBox 8">
-            <a:extLst>
-              <a:ext uri="{FF2B5EF4-FFF2-40B4-BE49-F238E27FC236}">
-                <a16:creationId xmlns:a16="http://schemas.microsoft.com/office/drawing/2014/main" id="{ECEB1E9B-4BA2-DE4E-B7C4-72D7FCE1AAE1}"/>
-              </a:ext>
-            </a:extLst>
-          </p:cNvPr>
-          <p:cNvSpPr txBox="1">
-            <a:spLocks noChangeArrowheads="1"/>
-          </p:cNvSpPr>
-          <p:nvPr/>
-        </p:nvSpPr>
-        <p:spPr bwMode="auto">
-          <a:xfrm>
-            <a:off x="6294357" y="6343650"/>
-            <a:ext cx="333375" cy="246063"/>
-          </a:xfrm>
-          <a:prstGeom prst="rect">
-            <a:avLst/>
-          </a:prstGeom>
-          <a:noFill/>
-          <a:ln>
-            <a:noFill/>
-          </a:ln>
-          <a:extLst>
-            <a:ext uri="{909E8E84-426E-40DD-AFC4-6F175D3DCCD1}">
-              <a14:hiddenFill xmlns:a14="http://schemas.microsoft.com/office/drawing/2010/main">
-                <a:solidFill>
-                  <a:srgbClr val="FFFFFF"/>
-                </a:solidFill>
-              </a14:hiddenFill>
-            </a:ext>
-            <a:ext uri="{91240B29-F687-4F45-9708-019B960494DF}">
-              <a14:hiddenLine xmlns:a14="http://schemas.microsoft.com/office/drawing/2010/main" w="9525">
-                <a:solidFill>
-                  <a:srgbClr val="000000"/>
-                </a:solidFill>
-                <a:miter lim="800000"/>
-                <a:headEnd/>
-                <a:tailEnd/>
-              </a14:hiddenLine>
-            </a:ext>
-          </a:extLst>
-        </p:spPr>
-        <p:txBody>
-          <a:bodyPr wrap="none">
-            <a:spAutoFit/>
-          </a:bodyPr>
-          <a:lstStyle>
-            <a:lvl1pPr>
-              <a:spcBef>
-                <a:spcPct val="20000"/>
-              </a:spcBef>
-              <a:buChar char="•"/>
-              <a:defRPr sz="3400">
-                <a:solidFill>
-                  <a:schemeClr val="tx1"/>
-                </a:solidFill>
-                <a:latin typeface="Arial" panose="020B0604020202020204" pitchFamily="34" charset="0"/>
-                <a:ea typeface="ＭＳ Ｐゴシック" panose="020B0600070205080204" pitchFamily="34" charset="-128"/>
-              </a:defRPr>
-            </a:lvl1pPr>
-            <a:lvl2pPr marL="742950" indent="-285750">
-              <a:spcBef>
-                <a:spcPct val="20000"/>
-              </a:spcBef>
-              <a:buChar char="–"/>
-              <a:defRPr sz="3000">
-                <a:solidFill>
-                  <a:schemeClr val="tx1"/>
-                </a:solidFill>
-                <a:latin typeface="Arial" panose="020B0604020202020204" pitchFamily="34" charset="0"/>
-                <a:ea typeface="ＭＳ Ｐゴシック" panose="020B0600070205080204" pitchFamily="34" charset="-128"/>
-              </a:defRPr>
-            </a:lvl2pPr>
-            <a:lvl3pPr marL="1143000" indent="-228600">
-              <a:spcBef>
-                <a:spcPct val="20000"/>
-              </a:spcBef>
-              <a:buChar char="•"/>
-              <a:defRPr sz="2500">
-                <a:solidFill>
-                  <a:schemeClr val="tx1"/>
-                </a:solidFill>
-                <a:latin typeface="Arial" panose="020B0604020202020204" pitchFamily="34" charset="0"/>
-                <a:ea typeface="ＭＳ Ｐゴシック" panose="020B0600070205080204" pitchFamily="34" charset="-128"/>
-              </a:defRPr>
-            </a:lvl3pPr>
-            <a:lvl4pPr marL="1600200" indent="-228600">
-              <a:spcBef>
-                <a:spcPct val="20000"/>
-              </a:spcBef>
-              <a:buChar char="–"/>
-              <a:defRPr sz="2100">
-                <a:solidFill>
-                  <a:schemeClr val="tx1"/>
-                </a:solidFill>
-                <a:latin typeface="Arial" panose="020B0604020202020204" pitchFamily="34" charset="0"/>
-                <a:ea typeface="ＭＳ Ｐゴシック" panose="020B0600070205080204" pitchFamily="34" charset="-128"/>
-              </a:defRPr>
-            </a:lvl4pPr>
-            <a:lvl5pPr marL="2057400" indent="-228600">
-              <a:spcBef>
-                <a:spcPct val="20000"/>
-              </a:spcBef>
-              <a:buChar char="»"/>
-              <a:defRPr sz="2100">
-                <a:solidFill>
-                  <a:schemeClr val="tx1"/>
-                </a:solidFill>
-                <a:latin typeface="Arial" panose="020B0604020202020204" pitchFamily="34" charset="0"/>
-                <a:ea typeface="ＭＳ Ｐゴシック" panose="020B0600070205080204" pitchFamily="34" charset="-128"/>
-              </a:defRPr>
-            </a:lvl5pPr>
-            <a:lvl6pPr marL="2514600" indent="-228600" eaLnBrk="0" fontAlgn="base" hangingPunct="0">
-              <a:spcBef>
-                <a:spcPct val="20000"/>
-              </a:spcBef>
-              <a:spcAft>
-                <a:spcPct val="0"/>
-              </a:spcAft>
-              <a:buChar char="»"/>
-              <a:defRPr sz="2100">
-                <a:solidFill>
-                  <a:schemeClr val="tx1"/>
-                </a:solidFill>
-                <a:latin typeface="Arial" panose="020B0604020202020204" pitchFamily="34" charset="0"/>
-                <a:ea typeface="ＭＳ Ｐゴシック" panose="020B0600070205080204" pitchFamily="34" charset="-128"/>
-              </a:defRPr>
-            </a:lvl6pPr>
-            <a:lvl7pPr marL="2971800" indent="-228600" eaLnBrk="0" fontAlgn="base" hangingPunct="0">
-              <a:spcBef>
-                <a:spcPct val="20000"/>
-              </a:spcBef>
-              <a:spcAft>
-                <a:spcPct val="0"/>
-              </a:spcAft>
-              <a:buChar char="»"/>
-              <a:defRPr sz="2100">
-                <a:solidFill>
-                  <a:schemeClr val="tx1"/>
-                </a:solidFill>
-                <a:latin typeface="Arial" panose="020B0604020202020204" pitchFamily="34" charset="0"/>
-                <a:ea typeface="ＭＳ Ｐゴシック" panose="020B0600070205080204" pitchFamily="34" charset="-128"/>
-              </a:defRPr>
-            </a:lvl7pPr>
-            <a:lvl8pPr marL="3429000" indent="-228600" eaLnBrk="0" fontAlgn="base" hangingPunct="0">
-              <a:spcBef>
-                <a:spcPct val="20000"/>
-              </a:spcBef>
-              <a:spcAft>
-                <a:spcPct val="0"/>
-              </a:spcAft>
-              <a:buChar char="»"/>
-              <a:defRPr sz="2100">
-                <a:solidFill>
-                  <a:schemeClr val="tx1"/>
-                </a:solidFill>
-                <a:latin typeface="Arial" panose="020B0604020202020204" pitchFamily="34" charset="0"/>
-                <a:ea typeface="ＭＳ Ｐゴシック" panose="020B0600070205080204" pitchFamily="34" charset="-128"/>
-              </a:defRPr>
-            </a:lvl8pPr>
-            <a:lvl9pPr marL="3886200" indent="-228600" eaLnBrk="0" fontAlgn="base" hangingPunct="0">
-              <a:spcBef>
-                <a:spcPct val="20000"/>
-              </a:spcBef>
-              <a:spcAft>
-                <a:spcPct val="0"/>
-              </a:spcAft>
-              <a:buChar char="»"/>
-              <a:defRPr sz="2100">
-                <a:solidFill>
-                  <a:schemeClr val="tx1"/>
-                </a:solidFill>
-                <a:latin typeface="Arial" panose="020B0604020202020204" pitchFamily="34" charset="0"/>
-                <a:ea typeface="ＭＳ Ｐゴシック" panose="020B0600070205080204" pitchFamily="34" charset="-128"/>
-              </a:defRPr>
-            </a:lvl9pPr>
-          </a:lstStyle>
-          <a:p>
-            <a:pPr eaLnBrk="1" hangingPunct="1">
-              <a:spcBef>
-                <a:spcPct val="0"/>
-              </a:spcBef>
-              <a:buFontTx/>
-              <a:buNone/>
-            </a:pPr>
-            <a:r>
-              <a:rPr lang="en-US" altLang="en-US" sz="1000"/>
-              <a:t>T5</a:t>
-            </a:r>
-          </a:p>
-        </p:txBody>
-      </p:sp>
       <p:sp>
         <p:nvSpPr>
           <p:cNvPr id="265" name="Freeform 32">
@@ -11289,598 +10258,6 @@
       </p:sp>
       <p:sp>
         <p:nvSpPr>
-          <p:cNvPr id="267" name="TextBox 10">
-            <a:extLst>
-              <a:ext uri="{FF2B5EF4-FFF2-40B4-BE49-F238E27FC236}">
-                <a16:creationId xmlns:a16="http://schemas.microsoft.com/office/drawing/2014/main" id="{5903F9FE-958D-F046-8C9D-C6217CC74DAA}"/>
-              </a:ext>
-            </a:extLst>
-          </p:cNvPr>
-          <p:cNvSpPr txBox="1">
-            <a:spLocks noChangeArrowheads="1"/>
-          </p:cNvSpPr>
-          <p:nvPr/>
-        </p:nvSpPr>
-        <p:spPr bwMode="auto">
-          <a:xfrm>
-            <a:off x="1466769" y="5029200"/>
-            <a:ext cx="333375" cy="246063"/>
-          </a:xfrm>
-          <a:prstGeom prst="rect">
-            <a:avLst/>
-          </a:prstGeom>
-          <a:noFill/>
-          <a:ln>
-            <a:noFill/>
-          </a:ln>
-          <a:extLst>
-            <a:ext uri="{909E8E84-426E-40DD-AFC4-6F175D3DCCD1}">
-              <a14:hiddenFill xmlns:a14="http://schemas.microsoft.com/office/drawing/2010/main">
-                <a:solidFill>
-                  <a:srgbClr val="FFFFFF"/>
-                </a:solidFill>
-              </a14:hiddenFill>
-            </a:ext>
-            <a:ext uri="{91240B29-F687-4F45-9708-019B960494DF}">
-              <a14:hiddenLine xmlns:a14="http://schemas.microsoft.com/office/drawing/2010/main" w="9525">
-                <a:solidFill>
-                  <a:srgbClr val="000000"/>
-                </a:solidFill>
-                <a:miter lim="800000"/>
-                <a:headEnd/>
-                <a:tailEnd/>
-              </a14:hiddenLine>
-            </a:ext>
-          </a:extLst>
-        </p:spPr>
-        <p:txBody>
-          <a:bodyPr wrap="none">
-            <a:spAutoFit/>
-          </a:bodyPr>
-          <a:lstStyle>
-            <a:lvl1pPr>
-              <a:spcBef>
-                <a:spcPct val="20000"/>
-              </a:spcBef>
-              <a:buChar char="•"/>
-              <a:defRPr sz="3400">
-                <a:solidFill>
-                  <a:schemeClr val="tx1"/>
-                </a:solidFill>
-                <a:latin typeface="Arial" panose="020B0604020202020204" pitchFamily="34" charset="0"/>
-                <a:ea typeface="ＭＳ Ｐゴシック" panose="020B0600070205080204" pitchFamily="34" charset="-128"/>
-              </a:defRPr>
-            </a:lvl1pPr>
-            <a:lvl2pPr marL="742950" indent="-285750">
-              <a:spcBef>
-                <a:spcPct val="20000"/>
-              </a:spcBef>
-              <a:buChar char="–"/>
-              <a:defRPr sz="3000">
-                <a:solidFill>
-                  <a:schemeClr val="tx1"/>
-                </a:solidFill>
-                <a:latin typeface="Arial" panose="020B0604020202020204" pitchFamily="34" charset="0"/>
-                <a:ea typeface="ＭＳ Ｐゴシック" panose="020B0600070205080204" pitchFamily="34" charset="-128"/>
-              </a:defRPr>
-            </a:lvl2pPr>
-            <a:lvl3pPr marL="1143000" indent="-228600">
-              <a:spcBef>
-                <a:spcPct val="20000"/>
-              </a:spcBef>
-              <a:buChar char="•"/>
-              <a:defRPr sz="2500">
-                <a:solidFill>
-                  <a:schemeClr val="tx1"/>
-                </a:solidFill>
-                <a:latin typeface="Arial" panose="020B0604020202020204" pitchFamily="34" charset="0"/>
-                <a:ea typeface="ＭＳ Ｐゴシック" panose="020B0600070205080204" pitchFamily="34" charset="-128"/>
-              </a:defRPr>
-            </a:lvl3pPr>
-            <a:lvl4pPr marL="1600200" indent="-228600">
-              <a:spcBef>
-                <a:spcPct val="20000"/>
-              </a:spcBef>
-              <a:buChar char="–"/>
-              <a:defRPr sz="2100">
-                <a:solidFill>
-                  <a:schemeClr val="tx1"/>
-                </a:solidFill>
-                <a:latin typeface="Arial" panose="020B0604020202020204" pitchFamily="34" charset="0"/>
-                <a:ea typeface="ＭＳ Ｐゴシック" panose="020B0600070205080204" pitchFamily="34" charset="-128"/>
-              </a:defRPr>
-            </a:lvl4pPr>
-            <a:lvl5pPr marL="2057400" indent="-228600">
-              <a:spcBef>
-                <a:spcPct val="20000"/>
-              </a:spcBef>
-              <a:buChar char="»"/>
-              <a:defRPr sz="2100">
-                <a:solidFill>
-                  <a:schemeClr val="tx1"/>
-                </a:solidFill>
-                <a:latin typeface="Arial" panose="020B0604020202020204" pitchFamily="34" charset="0"/>
-                <a:ea typeface="ＭＳ Ｐゴシック" panose="020B0600070205080204" pitchFamily="34" charset="-128"/>
-              </a:defRPr>
-            </a:lvl5pPr>
-            <a:lvl6pPr marL="2514600" indent="-228600" eaLnBrk="0" fontAlgn="base" hangingPunct="0">
-              <a:spcBef>
-                <a:spcPct val="20000"/>
-              </a:spcBef>
-              <a:spcAft>
-                <a:spcPct val="0"/>
-              </a:spcAft>
-              <a:buChar char="»"/>
-              <a:defRPr sz="2100">
-                <a:solidFill>
-                  <a:schemeClr val="tx1"/>
-                </a:solidFill>
-                <a:latin typeface="Arial" panose="020B0604020202020204" pitchFamily="34" charset="0"/>
-                <a:ea typeface="ＭＳ Ｐゴシック" panose="020B0600070205080204" pitchFamily="34" charset="-128"/>
-              </a:defRPr>
-            </a:lvl6pPr>
-            <a:lvl7pPr marL="2971800" indent="-228600" eaLnBrk="0" fontAlgn="base" hangingPunct="0">
-              <a:spcBef>
-                <a:spcPct val="20000"/>
-              </a:spcBef>
-              <a:spcAft>
-                <a:spcPct val="0"/>
-              </a:spcAft>
-              <a:buChar char="»"/>
-              <a:defRPr sz="2100">
-                <a:solidFill>
-                  <a:schemeClr val="tx1"/>
-                </a:solidFill>
-                <a:latin typeface="Arial" panose="020B0604020202020204" pitchFamily="34" charset="0"/>
-                <a:ea typeface="ＭＳ Ｐゴシック" panose="020B0600070205080204" pitchFamily="34" charset="-128"/>
-              </a:defRPr>
-            </a:lvl7pPr>
-            <a:lvl8pPr marL="3429000" indent="-228600" eaLnBrk="0" fontAlgn="base" hangingPunct="0">
-              <a:spcBef>
-                <a:spcPct val="20000"/>
-              </a:spcBef>
-              <a:spcAft>
-                <a:spcPct val="0"/>
-              </a:spcAft>
-              <a:buChar char="»"/>
-              <a:defRPr sz="2100">
-                <a:solidFill>
-                  <a:schemeClr val="tx1"/>
-                </a:solidFill>
-                <a:latin typeface="Arial" panose="020B0604020202020204" pitchFamily="34" charset="0"/>
-                <a:ea typeface="ＭＳ Ｐゴシック" panose="020B0600070205080204" pitchFamily="34" charset="-128"/>
-              </a:defRPr>
-            </a:lvl8pPr>
-            <a:lvl9pPr marL="3886200" indent="-228600" eaLnBrk="0" fontAlgn="base" hangingPunct="0">
-              <a:spcBef>
-                <a:spcPct val="20000"/>
-              </a:spcBef>
-              <a:spcAft>
-                <a:spcPct val="0"/>
-              </a:spcAft>
-              <a:buChar char="»"/>
-              <a:defRPr sz="2100">
-                <a:solidFill>
-                  <a:schemeClr val="tx1"/>
-                </a:solidFill>
-                <a:latin typeface="Arial" panose="020B0604020202020204" pitchFamily="34" charset="0"/>
-                <a:ea typeface="ＭＳ Ｐゴシック" panose="020B0600070205080204" pitchFamily="34" charset="-128"/>
-              </a:defRPr>
-            </a:lvl9pPr>
-          </a:lstStyle>
-          <a:p>
-            <a:pPr eaLnBrk="1" hangingPunct="1">
-              <a:spcBef>
-                <a:spcPct val="0"/>
-              </a:spcBef>
-              <a:buFontTx/>
-              <a:buNone/>
-            </a:pPr>
-            <a:r>
-              <a:rPr lang="en-US" altLang="en-US" sz="1000"/>
-              <a:t>T1</a:t>
-            </a:r>
-          </a:p>
-        </p:txBody>
-      </p:sp>
-      <p:sp>
-        <p:nvSpPr>
-          <p:cNvPr id="268" name="Rectangle 13">
-            <a:extLst>
-              <a:ext uri="{FF2B5EF4-FFF2-40B4-BE49-F238E27FC236}">
-                <a16:creationId xmlns:a16="http://schemas.microsoft.com/office/drawing/2014/main" id="{DEE612B2-146E-D040-AB5F-6EF64812AD6E}"/>
-              </a:ext>
-            </a:extLst>
-          </p:cNvPr>
-          <p:cNvSpPr>
-            <a:spLocks noChangeArrowheads="1"/>
-          </p:cNvSpPr>
-          <p:nvPr/>
-        </p:nvSpPr>
-        <p:spPr bwMode="auto">
-          <a:xfrm>
-            <a:off x="5987969" y="7693025"/>
-            <a:ext cx="339725" cy="246063"/>
-          </a:xfrm>
-          <a:prstGeom prst="rect">
-            <a:avLst/>
-          </a:prstGeom>
-          <a:noFill/>
-          <a:ln>
-            <a:noFill/>
-          </a:ln>
-          <a:extLst>
-            <a:ext uri="{909E8E84-426E-40DD-AFC4-6F175D3DCCD1}">
-              <a14:hiddenFill xmlns:a14="http://schemas.microsoft.com/office/drawing/2010/main">
-                <a:solidFill>
-                  <a:srgbClr val="FFFFFF"/>
-                </a:solidFill>
-              </a14:hiddenFill>
-            </a:ext>
-            <a:ext uri="{91240B29-F687-4F45-9708-019B960494DF}">
-              <a14:hiddenLine xmlns:a14="http://schemas.microsoft.com/office/drawing/2010/main" w="9525">
-                <a:solidFill>
-                  <a:srgbClr val="000000"/>
-                </a:solidFill>
-                <a:miter lim="800000"/>
-                <a:headEnd/>
-                <a:tailEnd/>
-              </a14:hiddenLine>
-            </a:ext>
-          </a:extLst>
-        </p:spPr>
-        <p:txBody>
-          <a:bodyPr wrap="none">
-            <a:spAutoFit/>
-          </a:bodyPr>
-          <a:lstStyle>
-            <a:lvl1pPr>
-              <a:spcBef>
-                <a:spcPct val="20000"/>
-              </a:spcBef>
-              <a:buChar char="•"/>
-              <a:defRPr sz="3400">
-                <a:solidFill>
-                  <a:schemeClr val="tx1"/>
-                </a:solidFill>
-                <a:latin typeface="Arial" panose="020B0604020202020204" pitchFamily="34" charset="0"/>
-                <a:ea typeface="ＭＳ Ｐゴシック" panose="020B0600070205080204" pitchFamily="34" charset="-128"/>
-              </a:defRPr>
-            </a:lvl1pPr>
-            <a:lvl2pPr marL="742950" indent="-285750">
-              <a:spcBef>
-                <a:spcPct val="20000"/>
-              </a:spcBef>
-              <a:buChar char="–"/>
-              <a:defRPr sz="3000">
-                <a:solidFill>
-                  <a:schemeClr val="tx1"/>
-                </a:solidFill>
-                <a:latin typeface="Arial" panose="020B0604020202020204" pitchFamily="34" charset="0"/>
-                <a:ea typeface="ＭＳ Ｐゴシック" panose="020B0600070205080204" pitchFamily="34" charset="-128"/>
-              </a:defRPr>
-            </a:lvl2pPr>
-            <a:lvl3pPr marL="1143000" indent="-228600">
-              <a:spcBef>
-                <a:spcPct val="20000"/>
-              </a:spcBef>
-              <a:buChar char="•"/>
-              <a:defRPr sz="2500">
-                <a:solidFill>
-                  <a:schemeClr val="tx1"/>
-                </a:solidFill>
-                <a:latin typeface="Arial" panose="020B0604020202020204" pitchFamily="34" charset="0"/>
-                <a:ea typeface="ＭＳ Ｐゴシック" panose="020B0600070205080204" pitchFamily="34" charset="-128"/>
-              </a:defRPr>
-            </a:lvl3pPr>
-            <a:lvl4pPr marL="1600200" indent="-228600">
-              <a:spcBef>
-                <a:spcPct val="20000"/>
-              </a:spcBef>
-              <a:buChar char="–"/>
-              <a:defRPr sz="2100">
-                <a:solidFill>
-                  <a:schemeClr val="tx1"/>
-                </a:solidFill>
-                <a:latin typeface="Arial" panose="020B0604020202020204" pitchFamily="34" charset="0"/>
-                <a:ea typeface="ＭＳ Ｐゴシック" panose="020B0600070205080204" pitchFamily="34" charset="-128"/>
-              </a:defRPr>
-            </a:lvl4pPr>
-            <a:lvl5pPr marL="2057400" indent="-228600">
-              <a:spcBef>
-                <a:spcPct val="20000"/>
-              </a:spcBef>
-              <a:buChar char="»"/>
-              <a:defRPr sz="2100">
-                <a:solidFill>
-                  <a:schemeClr val="tx1"/>
-                </a:solidFill>
-                <a:latin typeface="Arial" panose="020B0604020202020204" pitchFamily="34" charset="0"/>
-                <a:ea typeface="ＭＳ Ｐゴシック" panose="020B0600070205080204" pitchFamily="34" charset="-128"/>
-              </a:defRPr>
-            </a:lvl5pPr>
-            <a:lvl6pPr marL="2514600" indent="-228600" eaLnBrk="0" fontAlgn="base" hangingPunct="0">
-              <a:spcBef>
-                <a:spcPct val="20000"/>
-              </a:spcBef>
-              <a:spcAft>
-                <a:spcPct val="0"/>
-              </a:spcAft>
-              <a:buChar char="»"/>
-              <a:defRPr sz="2100">
-                <a:solidFill>
-                  <a:schemeClr val="tx1"/>
-                </a:solidFill>
-                <a:latin typeface="Arial" panose="020B0604020202020204" pitchFamily="34" charset="0"/>
-                <a:ea typeface="ＭＳ Ｐゴシック" panose="020B0600070205080204" pitchFamily="34" charset="-128"/>
-              </a:defRPr>
-            </a:lvl6pPr>
-            <a:lvl7pPr marL="2971800" indent="-228600" eaLnBrk="0" fontAlgn="base" hangingPunct="0">
-              <a:spcBef>
-                <a:spcPct val="20000"/>
-              </a:spcBef>
-              <a:spcAft>
-                <a:spcPct val="0"/>
-              </a:spcAft>
-              <a:buChar char="»"/>
-              <a:defRPr sz="2100">
-                <a:solidFill>
-                  <a:schemeClr val="tx1"/>
-                </a:solidFill>
-                <a:latin typeface="Arial" panose="020B0604020202020204" pitchFamily="34" charset="0"/>
-                <a:ea typeface="ＭＳ Ｐゴシック" panose="020B0600070205080204" pitchFamily="34" charset="-128"/>
-              </a:defRPr>
-            </a:lvl7pPr>
-            <a:lvl8pPr marL="3429000" indent="-228600" eaLnBrk="0" fontAlgn="base" hangingPunct="0">
-              <a:spcBef>
-                <a:spcPct val="20000"/>
-              </a:spcBef>
-              <a:spcAft>
-                <a:spcPct val="0"/>
-              </a:spcAft>
-              <a:buChar char="»"/>
-              <a:defRPr sz="2100">
-                <a:solidFill>
-                  <a:schemeClr val="tx1"/>
-                </a:solidFill>
-                <a:latin typeface="Arial" panose="020B0604020202020204" pitchFamily="34" charset="0"/>
-                <a:ea typeface="ＭＳ Ｐゴシック" panose="020B0600070205080204" pitchFamily="34" charset="-128"/>
-              </a:defRPr>
-            </a:lvl8pPr>
-            <a:lvl9pPr marL="3886200" indent="-228600" eaLnBrk="0" fontAlgn="base" hangingPunct="0">
-              <a:spcBef>
-                <a:spcPct val="20000"/>
-              </a:spcBef>
-              <a:spcAft>
-                <a:spcPct val="0"/>
-              </a:spcAft>
-              <a:buChar char="»"/>
-              <a:defRPr sz="2100">
-                <a:solidFill>
-                  <a:schemeClr val="tx1"/>
-                </a:solidFill>
-                <a:latin typeface="Arial" panose="020B0604020202020204" pitchFamily="34" charset="0"/>
-                <a:ea typeface="ＭＳ Ｐゴシック" panose="020B0600070205080204" pitchFamily="34" charset="-128"/>
-              </a:defRPr>
-            </a:lvl9pPr>
-          </a:lstStyle>
-          <a:p>
-            <a:pPr eaLnBrk="1" hangingPunct="1">
-              <a:spcBef>
-                <a:spcPct val="0"/>
-              </a:spcBef>
-              <a:buFontTx/>
-              <a:buNone/>
-            </a:pPr>
-            <a:r>
-              <a:rPr lang="en-US" altLang="en-US" sz="1000">
-                <a:solidFill>
-                  <a:srgbClr val="000000"/>
-                </a:solidFill>
-              </a:rPr>
-              <a:t>P3</a:t>
-            </a:r>
-          </a:p>
-        </p:txBody>
-      </p:sp>
-      <p:sp>
-        <p:nvSpPr>
-          <p:cNvPr id="269" name="TextBox 17">
-            <a:extLst>
-              <a:ext uri="{FF2B5EF4-FFF2-40B4-BE49-F238E27FC236}">
-                <a16:creationId xmlns:a16="http://schemas.microsoft.com/office/drawing/2014/main" id="{DAC22565-5B14-F94C-BCBE-BA66C464BB78}"/>
-              </a:ext>
-            </a:extLst>
-          </p:cNvPr>
-          <p:cNvSpPr txBox="1">
-            <a:spLocks noChangeArrowheads="1"/>
-          </p:cNvSpPr>
-          <p:nvPr/>
-        </p:nvSpPr>
-        <p:spPr bwMode="auto">
-          <a:xfrm>
-            <a:off x="3879769" y="4979988"/>
-            <a:ext cx="425450" cy="246062"/>
-          </a:xfrm>
-          <a:prstGeom prst="rect">
-            <a:avLst/>
-          </a:prstGeom>
-          <a:noFill/>
-          <a:ln>
-            <a:noFill/>
-          </a:ln>
-          <a:extLst>
-            <a:ext uri="{909E8E84-426E-40DD-AFC4-6F175D3DCCD1}">
-              <a14:hiddenFill xmlns:a14="http://schemas.microsoft.com/office/drawing/2010/main">
-                <a:solidFill>
-                  <a:srgbClr val="FFFFFF"/>
-                </a:solidFill>
-              </a14:hiddenFill>
-            </a:ext>
-            <a:ext uri="{91240B29-F687-4F45-9708-019B960494DF}">
-              <a14:hiddenLine xmlns:a14="http://schemas.microsoft.com/office/drawing/2010/main" w="9525">
-                <a:solidFill>
-                  <a:srgbClr val="000000"/>
-                </a:solidFill>
-                <a:miter lim="800000"/>
-                <a:headEnd/>
-                <a:tailEnd/>
-              </a14:hiddenLine>
-            </a:ext>
-          </a:extLst>
-        </p:spPr>
-        <p:txBody>
-          <a:bodyPr wrap="none">
-            <a:spAutoFit/>
-          </a:bodyPr>
-          <a:lstStyle>
-            <a:lvl1pPr>
-              <a:spcBef>
-                <a:spcPct val="20000"/>
-              </a:spcBef>
-              <a:buChar char="•"/>
-              <a:defRPr sz="3400">
-                <a:solidFill>
-                  <a:schemeClr val="tx1"/>
-                </a:solidFill>
-                <a:latin typeface="Arial" panose="020B0604020202020204" pitchFamily="34" charset="0"/>
-                <a:ea typeface="ＭＳ Ｐゴシック" panose="020B0600070205080204" pitchFamily="34" charset="-128"/>
-              </a:defRPr>
-            </a:lvl1pPr>
-            <a:lvl2pPr marL="742950" indent="-285750">
-              <a:spcBef>
-                <a:spcPct val="20000"/>
-              </a:spcBef>
-              <a:buChar char="–"/>
-              <a:defRPr sz="3000">
-                <a:solidFill>
-                  <a:schemeClr val="tx1"/>
-                </a:solidFill>
-                <a:latin typeface="Arial" panose="020B0604020202020204" pitchFamily="34" charset="0"/>
-                <a:ea typeface="ＭＳ Ｐゴシック" panose="020B0600070205080204" pitchFamily="34" charset="-128"/>
-              </a:defRPr>
-            </a:lvl2pPr>
-            <a:lvl3pPr marL="1143000" indent="-228600">
-              <a:spcBef>
-                <a:spcPct val="20000"/>
-              </a:spcBef>
-              <a:buChar char="•"/>
-              <a:defRPr sz="2500">
-                <a:solidFill>
-                  <a:schemeClr val="tx1"/>
-                </a:solidFill>
-                <a:latin typeface="Arial" panose="020B0604020202020204" pitchFamily="34" charset="0"/>
-                <a:ea typeface="ＭＳ Ｐゴシック" panose="020B0600070205080204" pitchFamily="34" charset="-128"/>
-              </a:defRPr>
-            </a:lvl3pPr>
-            <a:lvl4pPr marL="1600200" indent="-228600">
-              <a:spcBef>
-                <a:spcPct val="20000"/>
-              </a:spcBef>
-              <a:buChar char="–"/>
-              <a:defRPr sz="2100">
-                <a:solidFill>
-                  <a:schemeClr val="tx1"/>
-                </a:solidFill>
-                <a:latin typeface="Arial" panose="020B0604020202020204" pitchFamily="34" charset="0"/>
-                <a:ea typeface="ＭＳ Ｐゴシック" panose="020B0600070205080204" pitchFamily="34" charset="-128"/>
-              </a:defRPr>
-            </a:lvl4pPr>
-            <a:lvl5pPr marL="2057400" indent="-228600">
-              <a:spcBef>
-                <a:spcPct val="20000"/>
-              </a:spcBef>
-              <a:buChar char="»"/>
-              <a:defRPr sz="2100">
-                <a:solidFill>
-                  <a:schemeClr val="tx1"/>
-                </a:solidFill>
-                <a:latin typeface="Arial" panose="020B0604020202020204" pitchFamily="34" charset="0"/>
-                <a:ea typeface="ＭＳ Ｐゴシック" panose="020B0600070205080204" pitchFamily="34" charset="-128"/>
-              </a:defRPr>
-            </a:lvl5pPr>
-            <a:lvl6pPr marL="2514600" indent="-228600" eaLnBrk="0" fontAlgn="base" hangingPunct="0">
-              <a:spcBef>
-                <a:spcPct val="20000"/>
-              </a:spcBef>
-              <a:spcAft>
-                <a:spcPct val="0"/>
-              </a:spcAft>
-              <a:buChar char="»"/>
-              <a:defRPr sz="2100">
-                <a:solidFill>
-                  <a:schemeClr val="tx1"/>
-                </a:solidFill>
-                <a:latin typeface="Arial" panose="020B0604020202020204" pitchFamily="34" charset="0"/>
-                <a:ea typeface="ＭＳ Ｐゴシック" panose="020B0600070205080204" pitchFamily="34" charset="-128"/>
-              </a:defRPr>
-            </a:lvl6pPr>
-            <a:lvl7pPr marL="2971800" indent="-228600" eaLnBrk="0" fontAlgn="base" hangingPunct="0">
-              <a:spcBef>
-                <a:spcPct val="20000"/>
-              </a:spcBef>
-              <a:spcAft>
-                <a:spcPct val="0"/>
-              </a:spcAft>
-              <a:buChar char="»"/>
-              <a:defRPr sz="2100">
-                <a:solidFill>
-                  <a:schemeClr val="tx1"/>
-                </a:solidFill>
-                <a:latin typeface="Arial" panose="020B0604020202020204" pitchFamily="34" charset="0"/>
-                <a:ea typeface="ＭＳ Ｐゴシック" panose="020B0600070205080204" pitchFamily="34" charset="-128"/>
-              </a:defRPr>
-            </a:lvl7pPr>
-            <a:lvl8pPr marL="3429000" indent="-228600" eaLnBrk="0" fontAlgn="base" hangingPunct="0">
-              <a:spcBef>
-                <a:spcPct val="20000"/>
-              </a:spcBef>
-              <a:spcAft>
-                <a:spcPct val="0"/>
-              </a:spcAft>
-              <a:buChar char="»"/>
-              <a:defRPr sz="2100">
-                <a:solidFill>
-                  <a:schemeClr val="tx1"/>
-                </a:solidFill>
-                <a:latin typeface="Arial" panose="020B0604020202020204" pitchFamily="34" charset="0"/>
-                <a:ea typeface="ＭＳ Ｐゴシック" panose="020B0600070205080204" pitchFamily="34" charset="-128"/>
-              </a:defRPr>
-            </a:lvl8pPr>
-            <a:lvl9pPr marL="3886200" indent="-228600" eaLnBrk="0" fontAlgn="base" hangingPunct="0">
-              <a:spcBef>
-                <a:spcPct val="20000"/>
-              </a:spcBef>
-              <a:spcAft>
-                <a:spcPct val="0"/>
-              </a:spcAft>
-              <a:buChar char="»"/>
-              <a:defRPr sz="2100">
-                <a:solidFill>
-                  <a:schemeClr val="tx1"/>
-                </a:solidFill>
-                <a:latin typeface="Arial" panose="020B0604020202020204" pitchFamily="34" charset="0"/>
-                <a:ea typeface="ＭＳ Ｐゴシック" panose="020B0600070205080204" pitchFamily="34" charset="-128"/>
-              </a:defRPr>
-            </a:lvl9pPr>
-          </a:lstStyle>
-          <a:p>
-            <a:pPr eaLnBrk="1" hangingPunct="1">
-              <a:spcBef>
-                <a:spcPct val="0"/>
-              </a:spcBef>
-              <a:buFontTx/>
-              <a:buNone/>
-            </a:pPr>
-            <a:r>
-              <a:rPr lang="en-US" altLang="en-US" sz="1000"/>
-              <a:t>PP1</a:t>
-            </a:r>
-          </a:p>
-        </p:txBody>
-      </p:sp>
-      <p:sp>
-        <p:nvSpPr>
           <p:cNvPr id="270" name="TextBox 18">
             <a:extLst>
               <a:ext uri="{FF2B5EF4-FFF2-40B4-BE49-F238E27FC236}">
@@ -12077,84 +10454,1387 @@
       </p:sp>
       <p:cxnSp>
         <p:nvCxnSpPr>
-          <p:cNvPr id="271" name="Straight Connector 270">
+          <p:cNvPr id="67" name="Straight Connector 66">
             <a:extLst>
               <a:ext uri="{FF2B5EF4-FFF2-40B4-BE49-F238E27FC236}">
-                <a16:creationId xmlns:a16="http://schemas.microsoft.com/office/drawing/2014/main" id="{9F9A5CF4-63ED-4748-96B4-AD4DD7728125}"/>
+                <a16:creationId xmlns:a16="http://schemas.microsoft.com/office/drawing/2014/main" id="{52C0B4A6-BC73-C84A-9850-4E9A59B24DF9}"/>
               </a:ext>
             </a:extLst>
           </p:cNvPr>
           <p:cNvCxnSpPr>
-            <a:cxnSpLocks noChangeShapeType="1"/>
+            <a:cxnSpLocks/>
           </p:cNvCxnSpPr>
           <p:nvPr/>
         </p:nvCxnSpPr>
-        <p:spPr bwMode="auto">
-          <a:xfrm flipV="1">
-            <a:off x="2973307" y="7477125"/>
-            <a:ext cx="1820862" cy="17463"/>
+        <p:spPr>
+          <a:xfrm flipH="1" flipV="1">
+            <a:off x="4647471" y="7577628"/>
+            <a:ext cx="91906" cy="524673"/>
           </a:xfrm>
           <a:prstGeom prst="line">
             <a:avLst/>
           </a:prstGeom>
+          <a:ln>
+            <a:solidFill>
+              <a:srgbClr val="FF0000"/>
+            </a:solidFill>
+          </a:ln>
+          <a:effectLst/>
+        </p:spPr>
+        <p:style>
+          <a:lnRef idx="2">
+            <a:schemeClr val="accent1"/>
+          </a:lnRef>
+          <a:fillRef idx="0">
+            <a:schemeClr val="accent1"/>
+          </a:fillRef>
+          <a:effectRef idx="1">
+            <a:schemeClr val="accent1"/>
+          </a:effectRef>
+          <a:fontRef idx="minor">
+            <a:schemeClr val="tx1"/>
+          </a:fontRef>
+        </p:style>
+      </p:cxnSp>
+      <p:sp>
+        <p:nvSpPr>
+          <p:cNvPr id="68" name="TextBox 67">
+            <a:extLst>
+              <a:ext uri="{FF2B5EF4-FFF2-40B4-BE49-F238E27FC236}">
+                <a16:creationId xmlns:a16="http://schemas.microsoft.com/office/drawing/2014/main" id="{6536421A-424D-D54F-AA05-487E4F57ED82}"/>
+              </a:ext>
+            </a:extLst>
+          </p:cNvPr>
+          <p:cNvSpPr txBox="1"/>
+          <p:nvPr/>
+        </p:nvSpPr>
+        <p:spPr>
+          <a:xfrm>
+            <a:off x="1469986" y="7674113"/>
+            <a:ext cx="533400" cy="369332"/>
+          </a:xfrm>
+          <a:prstGeom prst="rect">
+            <a:avLst/>
+          </a:prstGeom>
           <a:noFill/>
-          <a:ln w="25400">
+          <a:effectLst/>
+        </p:spPr>
+        <p:txBody>
+          <a:bodyPr wrap="square" rtlCol="0">
+            <a:spAutoFit/>
+          </a:bodyPr>
+          <a:lstStyle/>
+          <a:p>
+            <a:r>
+              <a:rPr lang="en-US" b="1" dirty="0"/>
+              <a:t>P1</a:t>
+            </a:r>
+          </a:p>
+        </p:txBody>
+      </p:sp>
+      <p:sp>
+        <p:nvSpPr>
+          <p:cNvPr id="69" name="TextBox 68">
+            <a:extLst>
+              <a:ext uri="{FF2B5EF4-FFF2-40B4-BE49-F238E27FC236}">
+                <a16:creationId xmlns:a16="http://schemas.microsoft.com/office/drawing/2014/main" id="{D552F64C-D1F8-7949-B08C-9AA86F8E3677}"/>
+              </a:ext>
+            </a:extLst>
+          </p:cNvPr>
+          <p:cNvSpPr txBox="1"/>
+          <p:nvPr/>
+        </p:nvSpPr>
+        <p:spPr>
+          <a:xfrm>
+            <a:off x="311511" y="5834618"/>
+            <a:ext cx="533400" cy="369332"/>
+          </a:xfrm>
+          <a:prstGeom prst="rect">
+            <a:avLst/>
+          </a:prstGeom>
+          <a:noFill/>
+        </p:spPr>
+        <p:txBody>
+          <a:bodyPr wrap="square" rtlCol="0">
+            <a:spAutoFit/>
+          </a:bodyPr>
+          <a:lstStyle/>
+          <a:p>
+            <a:r>
+              <a:rPr lang="en-US" b="1" dirty="0"/>
+              <a:t>T1</a:t>
+            </a:r>
+          </a:p>
+        </p:txBody>
+      </p:sp>
+      <p:sp>
+        <p:nvSpPr>
+          <p:cNvPr id="70" name="TextBox 69">
+            <a:extLst>
+              <a:ext uri="{FF2B5EF4-FFF2-40B4-BE49-F238E27FC236}">
+                <a16:creationId xmlns:a16="http://schemas.microsoft.com/office/drawing/2014/main" id="{78EC70C4-E65C-AA47-BF57-E2BA483A989F}"/>
+              </a:ext>
+            </a:extLst>
+          </p:cNvPr>
+          <p:cNvSpPr txBox="1"/>
+          <p:nvPr/>
+        </p:nvSpPr>
+        <p:spPr>
+          <a:xfrm>
+            <a:off x="3645613" y="4881787"/>
+            <a:ext cx="671512" cy="369332"/>
+          </a:xfrm>
+          <a:prstGeom prst="rect">
+            <a:avLst/>
+          </a:prstGeom>
+          <a:noFill/>
+        </p:spPr>
+        <p:txBody>
+          <a:bodyPr wrap="square" rtlCol="0">
+            <a:spAutoFit/>
+          </a:bodyPr>
+          <a:lstStyle/>
+          <a:p>
+            <a:r>
+              <a:rPr lang="en-US" b="1" dirty="0"/>
+              <a:t>PP1</a:t>
+            </a:r>
+          </a:p>
+        </p:txBody>
+      </p:sp>
+      <p:cxnSp>
+        <p:nvCxnSpPr>
+          <p:cNvPr id="71" name="Straight Connector 70">
+            <a:extLst>
+              <a:ext uri="{FF2B5EF4-FFF2-40B4-BE49-F238E27FC236}">
+                <a16:creationId xmlns:a16="http://schemas.microsoft.com/office/drawing/2014/main" id="{3AA7FEFC-9AE4-CB44-A49A-546589B87B25}"/>
+              </a:ext>
+            </a:extLst>
+          </p:cNvPr>
+          <p:cNvCxnSpPr>
+            <a:cxnSpLocks/>
+          </p:cNvCxnSpPr>
+          <p:nvPr/>
+        </p:nvCxnSpPr>
+        <p:spPr>
+          <a:xfrm flipV="1">
+            <a:off x="6391194" y="7568167"/>
+            <a:ext cx="110332" cy="661433"/>
+          </a:xfrm>
+          <a:prstGeom prst="line">
+            <a:avLst/>
+          </a:prstGeom>
+          <a:ln>
+            <a:solidFill>
+              <a:srgbClr val="FF0000"/>
+            </a:solidFill>
+          </a:ln>
+          <a:effectLst/>
+        </p:spPr>
+        <p:style>
+          <a:lnRef idx="2">
+            <a:schemeClr val="accent1"/>
+          </a:lnRef>
+          <a:fillRef idx="0">
+            <a:schemeClr val="accent1"/>
+          </a:fillRef>
+          <a:effectRef idx="1">
+            <a:schemeClr val="accent1"/>
+          </a:effectRef>
+          <a:fontRef idx="minor">
+            <a:schemeClr val="tx1"/>
+          </a:fontRef>
+        </p:style>
+      </p:cxnSp>
+      <p:sp>
+        <p:nvSpPr>
+          <p:cNvPr id="72" name="TextBox 71">
+            <a:extLst>
+              <a:ext uri="{FF2B5EF4-FFF2-40B4-BE49-F238E27FC236}">
+                <a16:creationId xmlns:a16="http://schemas.microsoft.com/office/drawing/2014/main" id="{5D701946-106F-9246-8A72-65838DE5152D}"/>
+              </a:ext>
+            </a:extLst>
+          </p:cNvPr>
+          <p:cNvSpPr txBox="1"/>
+          <p:nvPr/>
+        </p:nvSpPr>
+        <p:spPr>
+          <a:xfrm>
+            <a:off x="4205977" y="7604239"/>
+            <a:ext cx="533400" cy="369332"/>
+          </a:xfrm>
+          <a:prstGeom prst="rect">
+            <a:avLst/>
+          </a:prstGeom>
+          <a:noFill/>
+          <a:effectLst/>
+        </p:spPr>
+        <p:txBody>
+          <a:bodyPr wrap="square" rtlCol="0">
+            <a:spAutoFit/>
+          </a:bodyPr>
+          <a:lstStyle/>
+          <a:p>
+            <a:r>
+              <a:rPr lang="en-US" b="1" dirty="0"/>
+              <a:t>P2</a:t>
+            </a:r>
+          </a:p>
+        </p:txBody>
+      </p:sp>
+      <p:sp>
+        <p:nvSpPr>
+          <p:cNvPr id="74" name="TextBox 73">
+            <a:extLst>
+              <a:ext uri="{FF2B5EF4-FFF2-40B4-BE49-F238E27FC236}">
+                <a16:creationId xmlns:a16="http://schemas.microsoft.com/office/drawing/2014/main" id="{F856EB4A-CC61-2B40-8E46-61FDE62DC6DF}"/>
+              </a:ext>
+            </a:extLst>
+          </p:cNvPr>
+          <p:cNvSpPr txBox="1"/>
+          <p:nvPr/>
+        </p:nvSpPr>
+        <p:spPr>
+          <a:xfrm>
+            <a:off x="5985580" y="7670118"/>
+            <a:ext cx="533400" cy="369332"/>
+          </a:xfrm>
+          <a:prstGeom prst="rect">
+            <a:avLst/>
+          </a:prstGeom>
+          <a:noFill/>
+          <a:effectLst/>
+        </p:spPr>
+        <p:txBody>
+          <a:bodyPr wrap="square" rtlCol="0">
+            <a:spAutoFit/>
+          </a:bodyPr>
+          <a:lstStyle/>
+          <a:p>
+            <a:r>
+              <a:rPr lang="en-US" b="1" dirty="0"/>
+              <a:t>P3</a:t>
+            </a:r>
+          </a:p>
+        </p:txBody>
+      </p:sp>
+      <p:sp>
+        <p:nvSpPr>
+          <p:cNvPr id="81" name="TextBox 80">
+            <a:extLst>
+              <a:ext uri="{FF2B5EF4-FFF2-40B4-BE49-F238E27FC236}">
+                <a16:creationId xmlns:a16="http://schemas.microsoft.com/office/drawing/2014/main" id="{C30C03C7-29C5-7849-B3D0-48D5E250AC5E}"/>
+              </a:ext>
+            </a:extLst>
+          </p:cNvPr>
+          <p:cNvSpPr txBox="1"/>
+          <p:nvPr/>
+        </p:nvSpPr>
+        <p:spPr>
+          <a:xfrm>
+            <a:off x="998527" y="5379403"/>
+            <a:ext cx="533400" cy="369332"/>
+          </a:xfrm>
+          <a:prstGeom prst="rect">
+            <a:avLst/>
+          </a:prstGeom>
+          <a:noFill/>
+        </p:spPr>
+        <p:txBody>
+          <a:bodyPr wrap="square" rtlCol="0">
+            <a:spAutoFit/>
+          </a:bodyPr>
+          <a:lstStyle/>
+          <a:p>
+            <a:r>
+              <a:rPr lang="en-US" b="1" dirty="0"/>
+              <a:t>T2</a:t>
+            </a:r>
+          </a:p>
+        </p:txBody>
+      </p:sp>
+      <p:sp>
+        <p:nvSpPr>
+          <p:cNvPr id="82" name="TextBox 81">
+            <a:extLst>
+              <a:ext uri="{FF2B5EF4-FFF2-40B4-BE49-F238E27FC236}">
+                <a16:creationId xmlns:a16="http://schemas.microsoft.com/office/drawing/2014/main" id="{1A29E3B5-C31A-2E47-B112-AE24862E19BF}"/>
+              </a:ext>
+            </a:extLst>
+          </p:cNvPr>
+          <p:cNvSpPr txBox="1"/>
+          <p:nvPr/>
+        </p:nvSpPr>
+        <p:spPr>
+          <a:xfrm>
+            <a:off x="1736686" y="4449585"/>
+            <a:ext cx="533400" cy="369332"/>
+          </a:xfrm>
+          <a:prstGeom prst="rect">
+            <a:avLst/>
+          </a:prstGeom>
+          <a:noFill/>
+        </p:spPr>
+        <p:txBody>
+          <a:bodyPr wrap="square" rtlCol="0">
+            <a:spAutoFit/>
+          </a:bodyPr>
+          <a:lstStyle/>
+          <a:p>
+            <a:r>
+              <a:rPr lang="en-US" b="1" dirty="0"/>
+              <a:t>T3</a:t>
+            </a:r>
+          </a:p>
+        </p:txBody>
+      </p:sp>
+      <p:sp>
+        <p:nvSpPr>
+          <p:cNvPr id="83" name="TextBox 82">
+            <a:extLst>
+              <a:ext uri="{FF2B5EF4-FFF2-40B4-BE49-F238E27FC236}">
+                <a16:creationId xmlns:a16="http://schemas.microsoft.com/office/drawing/2014/main" id="{8455CF0D-544C-8740-A555-4A0E04F530D6}"/>
+              </a:ext>
+            </a:extLst>
+          </p:cNvPr>
+          <p:cNvSpPr txBox="1"/>
+          <p:nvPr/>
+        </p:nvSpPr>
+        <p:spPr>
+          <a:xfrm>
+            <a:off x="5293420" y="4853241"/>
+            <a:ext cx="533400" cy="369332"/>
+          </a:xfrm>
+          <a:prstGeom prst="rect">
+            <a:avLst/>
+          </a:prstGeom>
+          <a:noFill/>
+        </p:spPr>
+        <p:txBody>
+          <a:bodyPr wrap="square" rtlCol="0">
+            <a:spAutoFit/>
+          </a:bodyPr>
+          <a:lstStyle/>
+          <a:p>
+            <a:r>
+              <a:rPr lang="en-US" b="1" dirty="0"/>
+              <a:t>T4</a:t>
+            </a:r>
+          </a:p>
+        </p:txBody>
+      </p:sp>
+      <p:sp>
+        <p:nvSpPr>
+          <p:cNvPr id="84" name="TextBox 83">
+            <a:extLst>
+              <a:ext uri="{FF2B5EF4-FFF2-40B4-BE49-F238E27FC236}">
+                <a16:creationId xmlns:a16="http://schemas.microsoft.com/office/drawing/2014/main" id="{F11FD887-568B-9540-B344-064993D7A42F}"/>
+              </a:ext>
+            </a:extLst>
+          </p:cNvPr>
+          <p:cNvSpPr txBox="1"/>
+          <p:nvPr/>
+        </p:nvSpPr>
+        <p:spPr>
+          <a:xfrm>
+            <a:off x="4229105" y="5304945"/>
+            <a:ext cx="533400" cy="369332"/>
+          </a:xfrm>
+          <a:prstGeom prst="rect">
+            <a:avLst/>
+          </a:prstGeom>
+          <a:noFill/>
+        </p:spPr>
+        <p:txBody>
+          <a:bodyPr wrap="square" rtlCol="0">
+            <a:spAutoFit/>
+          </a:bodyPr>
+          <a:lstStyle/>
+          <a:p>
+            <a:r>
+              <a:rPr lang="en-US" b="1" dirty="0"/>
+              <a:t>T5</a:t>
+            </a:r>
+          </a:p>
+        </p:txBody>
+      </p:sp>
+      <p:sp>
+        <p:nvSpPr>
+          <p:cNvPr id="85" name="TextBox 84">
+            <a:extLst>
+              <a:ext uri="{FF2B5EF4-FFF2-40B4-BE49-F238E27FC236}">
+                <a16:creationId xmlns:a16="http://schemas.microsoft.com/office/drawing/2014/main" id="{C10AF25F-312C-9046-A77A-969DA03C3491}"/>
+              </a:ext>
+            </a:extLst>
+          </p:cNvPr>
+          <p:cNvSpPr txBox="1"/>
+          <p:nvPr/>
+        </p:nvSpPr>
+        <p:spPr>
+          <a:xfrm>
+            <a:off x="3236021" y="5174707"/>
+            <a:ext cx="533400" cy="369332"/>
+          </a:xfrm>
+          <a:prstGeom prst="rect">
+            <a:avLst/>
+          </a:prstGeom>
+          <a:noFill/>
+        </p:spPr>
+        <p:txBody>
+          <a:bodyPr wrap="square" rtlCol="0">
+            <a:spAutoFit/>
+          </a:bodyPr>
+          <a:lstStyle/>
+          <a:p>
+            <a:r>
+              <a:rPr lang="en-US" b="1" dirty="0"/>
+              <a:t>T6</a:t>
+            </a:r>
+          </a:p>
+        </p:txBody>
+      </p:sp>
+      <p:sp>
+        <p:nvSpPr>
+          <p:cNvPr id="86" name="TextBox 85">
+            <a:extLst>
+              <a:ext uri="{FF2B5EF4-FFF2-40B4-BE49-F238E27FC236}">
+                <a16:creationId xmlns:a16="http://schemas.microsoft.com/office/drawing/2014/main" id="{00A742D7-E480-8E48-91A7-C44B36B84DE4}"/>
+              </a:ext>
+            </a:extLst>
+          </p:cNvPr>
+          <p:cNvSpPr txBox="1"/>
+          <p:nvPr/>
+        </p:nvSpPr>
+        <p:spPr>
+          <a:xfrm>
+            <a:off x="6736989" y="5897718"/>
+            <a:ext cx="533400" cy="369332"/>
+          </a:xfrm>
+          <a:prstGeom prst="rect">
+            <a:avLst/>
+          </a:prstGeom>
+          <a:noFill/>
+        </p:spPr>
+        <p:txBody>
+          <a:bodyPr wrap="square" rtlCol="0">
+            <a:spAutoFit/>
+          </a:bodyPr>
+          <a:lstStyle/>
+          <a:p>
+            <a:r>
+              <a:rPr lang="en-US" b="1" dirty="0"/>
+              <a:t>T7</a:t>
+            </a:r>
+          </a:p>
+        </p:txBody>
+      </p:sp>
+      <p:grpSp>
+        <p:nvGrpSpPr>
+          <p:cNvPr id="105" name="Group 65">
+            <a:extLst>
+              <a:ext uri="{FF2B5EF4-FFF2-40B4-BE49-F238E27FC236}">
+                <a16:creationId xmlns:a16="http://schemas.microsoft.com/office/drawing/2014/main" id="{24D5E39C-2FE4-434C-A2E6-22D1FDC6059C}"/>
+              </a:ext>
+            </a:extLst>
+          </p:cNvPr>
+          <p:cNvGrpSpPr>
+            <a:grpSpLocks/>
+          </p:cNvGrpSpPr>
+          <p:nvPr/>
+        </p:nvGrpSpPr>
+        <p:grpSpPr bwMode="auto">
+          <a:xfrm>
+            <a:off x="826826" y="7219157"/>
+            <a:ext cx="490538" cy="666750"/>
+            <a:chOff x="1176" y="5328"/>
+            <a:chExt cx="309" cy="420"/>
+          </a:xfrm>
+        </p:grpSpPr>
+        <p:sp>
+          <p:nvSpPr>
+            <p:cNvPr id="112" name="Line 66">
+              <a:extLst>
+                <a:ext uri="{FF2B5EF4-FFF2-40B4-BE49-F238E27FC236}">
+                  <a16:creationId xmlns:a16="http://schemas.microsoft.com/office/drawing/2014/main" id="{39AAC777-CD4C-A445-B0CF-CFFA20E3E872}"/>
+                </a:ext>
+              </a:extLst>
+            </p:cNvPr>
+            <p:cNvSpPr>
+              <a:spLocks noChangeShapeType="1"/>
+            </p:cNvSpPr>
+            <p:nvPr/>
+          </p:nvSpPr>
+          <p:spPr bwMode="auto">
+            <a:xfrm>
+              <a:off x="1478" y="5427"/>
+              <a:ext cx="0" cy="182"/>
+            </a:xfrm>
+            <a:prstGeom prst="line">
+              <a:avLst/>
+            </a:prstGeom>
+            <a:noFill/>
+            <a:ln w="25400">
+              <a:solidFill>
+                <a:schemeClr val="tx1"/>
+              </a:solidFill>
+              <a:round/>
+              <a:headEnd/>
+              <a:tailEnd/>
+            </a:ln>
+            <a:extLst>
+              <a:ext uri="{909E8E84-426E-40DD-AFC4-6F175D3DCCD1}">
+                <a14:hiddenFill xmlns:a14="http://schemas.microsoft.com/office/drawing/2010/main">
+                  <a:noFill/>
+                </a14:hiddenFill>
+              </a:ext>
+            </a:extLst>
+          </p:spPr>
+          <p:txBody>
+            <a:bodyPr wrap="none" lIns="0" tIns="0" rIns="0" bIns="0" anchor="ctr">
+              <a:spAutoFit/>
+            </a:bodyPr>
+            <a:lstStyle/>
+            <a:p>
+              <a:endParaRPr lang="en-US"/>
+            </a:p>
+          </p:txBody>
+        </p:sp>
+        <p:sp>
+          <p:nvSpPr>
+            <p:cNvPr id="113" name="Line 67">
+              <a:extLst>
+                <a:ext uri="{FF2B5EF4-FFF2-40B4-BE49-F238E27FC236}">
+                  <a16:creationId xmlns:a16="http://schemas.microsoft.com/office/drawing/2014/main" id="{AAD0C949-A583-F24E-A873-DFB82DB53A73}"/>
+                </a:ext>
+              </a:extLst>
+            </p:cNvPr>
+            <p:cNvSpPr>
+              <a:spLocks noChangeShapeType="1"/>
+            </p:cNvSpPr>
+            <p:nvPr/>
+          </p:nvSpPr>
+          <p:spPr bwMode="auto">
+            <a:xfrm>
+              <a:off x="1359" y="5351"/>
+              <a:ext cx="0" cy="227"/>
+            </a:xfrm>
+            <a:prstGeom prst="line">
+              <a:avLst/>
+            </a:prstGeom>
+            <a:noFill/>
+            <a:ln w="25400">
+              <a:solidFill>
+                <a:schemeClr val="tx1"/>
+              </a:solidFill>
+              <a:round/>
+              <a:headEnd/>
+              <a:tailEnd/>
+            </a:ln>
+            <a:extLst>
+              <a:ext uri="{909E8E84-426E-40DD-AFC4-6F175D3DCCD1}">
+                <a14:hiddenFill xmlns:a14="http://schemas.microsoft.com/office/drawing/2010/main">
+                  <a:noFill/>
+                </a14:hiddenFill>
+              </a:ext>
+            </a:extLst>
+          </p:spPr>
+          <p:txBody>
+            <a:bodyPr wrap="none" lIns="0" tIns="0" rIns="0" bIns="0" anchor="ctr">
+              <a:spAutoFit/>
+            </a:bodyPr>
+            <a:lstStyle/>
+            <a:p>
+              <a:endParaRPr lang="en-US"/>
+            </a:p>
+          </p:txBody>
+        </p:sp>
+        <p:sp>
+          <p:nvSpPr>
+            <p:cNvPr id="114" name="Freeform 68">
+              <a:extLst>
+                <a:ext uri="{FF2B5EF4-FFF2-40B4-BE49-F238E27FC236}">
+                  <a16:creationId xmlns:a16="http://schemas.microsoft.com/office/drawing/2014/main" id="{9CB347E6-6241-4544-BEE6-A3126FBD339A}"/>
+                </a:ext>
+              </a:extLst>
+            </p:cNvPr>
+            <p:cNvSpPr>
+              <a:spLocks/>
+            </p:cNvSpPr>
+            <p:nvPr/>
+          </p:nvSpPr>
+          <p:spPr bwMode="auto">
+            <a:xfrm>
+              <a:off x="1176" y="5328"/>
+              <a:ext cx="309" cy="238"/>
+            </a:xfrm>
+            <a:custGeom>
+              <a:avLst/>
+              <a:gdLst>
+                <a:gd name="T0" fmla="*/ 0 w 309"/>
+                <a:gd name="T1" fmla="*/ 108 h 238"/>
+                <a:gd name="T2" fmla="*/ 113 w 309"/>
+                <a:gd name="T3" fmla="*/ 238 h 238"/>
+                <a:gd name="T4" fmla="*/ 309 w 309"/>
+                <a:gd name="T5" fmla="*/ 93 h 238"/>
+                <a:gd name="T6" fmla="*/ 183 w 309"/>
+                <a:gd name="T7" fmla="*/ 0 h 238"/>
+                <a:gd name="T8" fmla="*/ 0 w 309"/>
+                <a:gd name="T9" fmla="*/ 108 h 238"/>
+                <a:gd name="T10" fmla="*/ 0 60000 65536"/>
+                <a:gd name="T11" fmla="*/ 0 60000 65536"/>
+                <a:gd name="T12" fmla="*/ 0 60000 65536"/>
+                <a:gd name="T13" fmla="*/ 0 60000 65536"/>
+                <a:gd name="T14" fmla="*/ 0 60000 65536"/>
+                <a:gd name="T15" fmla="*/ 0 w 309"/>
+                <a:gd name="T16" fmla="*/ 0 h 238"/>
+                <a:gd name="T17" fmla="*/ 309 w 309"/>
+                <a:gd name="T18" fmla="*/ 238 h 238"/>
+              </a:gdLst>
+              <a:ahLst/>
+              <a:cxnLst>
+                <a:cxn ang="T10">
+                  <a:pos x="T0" y="T1"/>
+                </a:cxn>
+                <a:cxn ang="T11">
+                  <a:pos x="T2" y="T3"/>
+                </a:cxn>
+                <a:cxn ang="T12">
+                  <a:pos x="T4" y="T5"/>
+                </a:cxn>
+                <a:cxn ang="T13">
+                  <a:pos x="T6" y="T7"/>
+                </a:cxn>
+                <a:cxn ang="T14">
+                  <a:pos x="T8" y="T9"/>
+                </a:cxn>
+              </a:cxnLst>
+              <a:rect l="T15" t="T16" r="T17" b="T18"/>
+              <a:pathLst>
+                <a:path w="309" h="238">
+                  <a:moveTo>
+                    <a:pt x="0" y="108"/>
+                  </a:moveTo>
+                  <a:lnTo>
+                    <a:pt x="113" y="238"/>
+                  </a:lnTo>
+                  <a:lnTo>
+                    <a:pt x="309" y="93"/>
+                  </a:lnTo>
+                  <a:lnTo>
+                    <a:pt x="183" y="0"/>
+                  </a:lnTo>
+                  <a:lnTo>
+                    <a:pt x="0" y="108"/>
+                  </a:lnTo>
+                  <a:close/>
+                </a:path>
+              </a:pathLst>
+            </a:custGeom>
             <a:solidFill>
               <a:schemeClr val="accent1"/>
+            </a:solidFill>
+            <a:ln w="9525">
+              <a:solidFill>
+                <a:schemeClr val="tx1"/>
+              </a:solidFill>
+              <a:round/>
+              <a:headEnd/>
+              <a:tailEnd/>
+            </a:ln>
+          </p:spPr>
+          <p:txBody>
+            <a:bodyPr wrap="none" lIns="0" tIns="0" rIns="0" bIns="0" anchor="ctr">
+              <a:spAutoFit/>
+            </a:bodyPr>
+            <a:lstStyle/>
+            <a:p>
+              <a:endParaRPr lang="en-US"/>
+            </a:p>
+          </p:txBody>
+        </p:sp>
+        <p:sp>
+          <p:nvSpPr>
+            <p:cNvPr id="115" name="Line 69">
+              <a:extLst>
+                <a:ext uri="{FF2B5EF4-FFF2-40B4-BE49-F238E27FC236}">
+                  <a16:creationId xmlns:a16="http://schemas.microsoft.com/office/drawing/2014/main" id="{C6D0E774-961B-4B4C-81FD-4D41FE145014}"/>
+                </a:ext>
+              </a:extLst>
+            </p:cNvPr>
+            <p:cNvSpPr>
+              <a:spLocks noChangeShapeType="1"/>
+            </p:cNvSpPr>
+            <p:nvPr/>
+          </p:nvSpPr>
+          <p:spPr bwMode="auto">
+            <a:xfrm>
+              <a:off x="1294" y="5566"/>
+              <a:ext cx="0" cy="182"/>
+            </a:xfrm>
+            <a:prstGeom prst="line">
+              <a:avLst/>
+            </a:prstGeom>
+            <a:noFill/>
+            <a:ln w="25400">
+              <a:solidFill>
+                <a:schemeClr val="tx1"/>
+              </a:solidFill>
+              <a:round/>
+              <a:headEnd/>
+              <a:tailEnd/>
+            </a:ln>
+            <a:extLst>
+              <a:ext uri="{909E8E84-426E-40DD-AFC4-6F175D3DCCD1}">
+                <a14:hiddenFill xmlns:a14="http://schemas.microsoft.com/office/drawing/2010/main">
+                  <a:noFill/>
+                </a14:hiddenFill>
+              </a:ext>
+            </a:extLst>
+          </p:spPr>
+          <p:txBody>
+            <a:bodyPr wrap="none" lIns="0" tIns="0" rIns="0" bIns="0" anchor="ctr">
+              <a:spAutoFit/>
+            </a:bodyPr>
+            <a:lstStyle/>
+            <a:p>
+              <a:endParaRPr lang="en-US"/>
+            </a:p>
+          </p:txBody>
+        </p:sp>
+        <p:sp>
+          <p:nvSpPr>
+            <p:cNvPr id="116" name="Line 70">
+              <a:extLst>
+                <a:ext uri="{FF2B5EF4-FFF2-40B4-BE49-F238E27FC236}">
+                  <a16:creationId xmlns:a16="http://schemas.microsoft.com/office/drawing/2014/main" id="{86C26651-2549-2343-9B39-695EE2E2E016}"/>
+                </a:ext>
+              </a:extLst>
+            </p:cNvPr>
+            <p:cNvSpPr>
+              <a:spLocks noChangeShapeType="1"/>
+            </p:cNvSpPr>
+            <p:nvPr/>
+          </p:nvSpPr>
+          <p:spPr bwMode="auto">
+            <a:xfrm>
+              <a:off x="1181" y="5442"/>
+              <a:ext cx="0" cy="181"/>
+            </a:xfrm>
+            <a:prstGeom prst="line">
+              <a:avLst/>
+            </a:prstGeom>
+            <a:noFill/>
+            <a:ln w="25400">
+              <a:solidFill>
+                <a:schemeClr val="tx1"/>
+              </a:solidFill>
+              <a:round/>
+              <a:headEnd/>
+              <a:tailEnd/>
+            </a:ln>
+            <a:extLst>
+              <a:ext uri="{909E8E84-426E-40DD-AFC4-6F175D3DCCD1}">
+                <a14:hiddenFill xmlns:a14="http://schemas.microsoft.com/office/drawing/2010/main">
+                  <a:noFill/>
+                </a14:hiddenFill>
+              </a:ext>
+            </a:extLst>
+          </p:spPr>
+          <p:txBody>
+            <a:bodyPr wrap="none" lIns="0" tIns="0" rIns="0" bIns="0" anchor="ctr">
+              <a:spAutoFit/>
+            </a:bodyPr>
+            <a:lstStyle/>
+            <a:p>
+              <a:endParaRPr lang="en-US"/>
+            </a:p>
+          </p:txBody>
+        </p:sp>
+      </p:grpSp>
+      <p:grpSp>
+        <p:nvGrpSpPr>
+          <p:cNvPr id="106" name="Group 71">
+            <a:extLst>
+              <a:ext uri="{FF2B5EF4-FFF2-40B4-BE49-F238E27FC236}">
+                <a16:creationId xmlns:a16="http://schemas.microsoft.com/office/drawing/2014/main" id="{05870F88-665B-A94B-A84F-437AA9183035}"/>
+              </a:ext>
+            </a:extLst>
+          </p:cNvPr>
+          <p:cNvGrpSpPr>
+            <a:grpSpLocks/>
+          </p:cNvGrpSpPr>
+          <p:nvPr/>
+        </p:nvGrpSpPr>
+        <p:grpSpPr bwMode="auto">
+          <a:xfrm>
+            <a:off x="1103232" y="7628731"/>
+            <a:ext cx="307975" cy="458788"/>
+            <a:chOff x="2076" y="5280"/>
+            <a:chExt cx="194" cy="289"/>
+          </a:xfrm>
+        </p:grpSpPr>
+        <p:sp>
+          <p:nvSpPr>
+            <p:cNvPr id="107" name="Freeform 72">
+              <a:extLst>
+                <a:ext uri="{FF2B5EF4-FFF2-40B4-BE49-F238E27FC236}">
+                  <a16:creationId xmlns:a16="http://schemas.microsoft.com/office/drawing/2014/main" id="{DFCE265A-5C90-B44C-8411-C246A83B7561}"/>
+                </a:ext>
+              </a:extLst>
+            </p:cNvPr>
+            <p:cNvSpPr>
+              <a:spLocks/>
+            </p:cNvSpPr>
+            <p:nvPr/>
+          </p:nvSpPr>
+          <p:spPr bwMode="auto">
+            <a:xfrm>
+              <a:off x="2076" y="5334"/>
+              <a:ext cx="194" cy="111"/>
+            </a:xfrm>
+            <a:custGeom>
+              <a:avLst/>
+              <a:gdLst>
+                <a:gd name="T0" fmla="*/ 0 w 194"/>
+                <a:gd name="T1" fmla="*/ 48 h 111"/>
+                <a:gd name="T2" fmla="*/ 99 w 194"/>
+                <a:gd name="T3" fmla="*/ 111 h 111"/>
+                <a:gd name="T4" fmla="*/ 194 w 194"/>
+                <a:gd name="T5" fmla="*/ 57 h 111"/>
+                <a:gd name="T6" fmla="*/ 88 w 194"/>
+                <a:gd name="T7" fmla="*/ 0 h 111"/>
+                <a:gd name="T8" fmla="*/ 0 w 194"/>
+                <a:gd name="T9" fmla="*/ 48 h 111"/>
+                <a:gd name="T10" fmla="*/ 0 60000 65536"/>
+                <a:gd name="T11" fmla="*/ 0 60000 65536"/>
+                <a:gd name="T12" fmla="*/ 0 60000 65536"/>
+                <a:gd name="T13" fmla="*/ 0 60000 65536"/>
+                <a:gd name="T14" fmla="*/ 0 60000 65536"/>
+                <a:gd name="T15" fmla="*/ 0 w 194"/>
+                <a:gd name="T16" fmla="*/ 0 h 111"/>
+                <a:gd name="T17" fmla="*/ 194 w 194"/>
+                <a:gd name="T18" fmla="*/ 111 h 111"/>
+              </a:gdLst>
+              <a:ahLst/>
+              <a:cxnLst>
+                <a:cxn ang="T10">
+                  <a:pos x="T0" y="T1"/>
+                </a:cxn>
+                <a:cxn ang="T11">
+                  <a:pos x="T2" y="T3"/>
+                </a:cxn>
+                <a:cxn ang="T12">
+                  <a:pos x="T4" y="T5"/>
+                </a:cxn>
+                <a:cxn ang="T13">
+                  <a:pos x="T6" y="T7"/>
+                </a:cxn>
+                <a:cxn ang="T14">
+                  <a:pos x="T8" y="T9"/>
+                </a:cxn>
+              </a:cxnLst>
+              <a:rect l="T15" t="T16" r="T17" b="T18"/>
+              <a:pathLst>
+                <a:path w="194" h="111">
+                  <a:moveTo>
+                    <a:pt x="0" y="48"/>
+                  </a:moveTo>
+                  <a:lnTo>
+                    <a:pt x="99" y="111"/>
+                  </a:lnTo>
+                  <a:lnTo>
+                    <a:pt x="194" y="57"/>
+                  </a:lnTo>
+                  <a:lnTo>
+                    <a:pt x="88" y="0"/>
+                  </a:lnTo>
+                  <a:lnTo>
+                    <a:pt x="0" y="48"/>
+                  </a:lnTo>
+                  <a:close/>
+                </a:path>
+              </a:pathLst>
+            </a:custGeom>
+            <a:solidFill>
+              <a:schemeClr val="accent1"/>
+            </a:solidFill>
+            <a:ln w="9525">
+              <a:solidFill>
+                <a:schemeClr val="tx1"/>
+              </a:solidFill>
+              <a:round/>
+              <a:headEnd/>
+              <a:tailEnd/>
+            </a:ln>
+          </p:spPr>
+          <p:txBody>
+            <a:bodyPr wrap="none" lIns="0" tIns="0" rIns="0" bIns="0" anchor="ctr">
+              <a:spAutoFit/>
+            </a:bodyPr>
+            <a:lstStyle/>
+            <a:p>
+              <a:endParaRPr lang="en-US"/>
+            </a:p>
+          </p:txBody>
+        </p:sp>
+        <p:sp>
+          <p:nvSpPr>
+            <p:cNvPr id="108" name="Line 73">
+              <a:extLst>
+                <a:ext uri="{FF2B5EF4-FFF2-40B4-BE49-F238E27FC236}">
+                  <a16:creationId xmlns:a16="http://schemas.microsoft.com/office/drawing/2014/main" id="{5E71AF38-12DB-6847-B798-A73F2D2D3D43}"/>
+                </a:ext>
+              </a:extLst>
+            </p:cNvPr>
+            <p:cNvSpPr>
+              <a:spLocks noChangeShapeType="1"/>
+            </p:cNvSpPr>
+            <p:nvPr/>
+          </p:nvSpPr>
+          <p:spPr bwMode="auto">
+            <a:xfrm>
+              <a:off x="2174" y="5342"/>
+              <a:ext cx="2" cy="227"/>
+            </a:xfrm>
+            <a:prstGeom prst="line">
+              <a:avLst/>
+            </a:prstGeom>
+            <a:noFill/>
+            <a:ln w="25400">
+              <a:solidFill>
+                <a:schemeClr val="tx1"/>
+              </a:solidFill>
+              <a:round/>
+              <a:headEnd/>
+              <a:tailEnd/>
+            </a:ln>
+            <a:extLst>
+              <a:ext uri="{909E8E84-426E-40DD-AFC4-6F175D3DCCD1}">
+                <a14:hiddenFill xmlns:a14="http://schemas.microsoft.com/office/drawing/2010/main">
+                  <a:noFill/>
+                </a14:hiddenFill>
+              </a:ext>
+            </a:extLst>
+          </p:spPr>
+          <p:txBody>
+            <a:bodyPr wrap="none" lIns="0" tIns="0" rIns="0" bIns="0" anchor="ctr">
+              <a:spAutoFit/>
+            </a:bodyPr>
+            <a:lstStyle/>
+            <a:p>
+              <a:endParaRPr lang="en-US"/>
+            </a:p>
+          </p:txBody>
+        </p:sp>
+        <p:sp>
+          <p:nvSpPr>
+            <p:cNvPr id="109" name="Line 74">
+              <a:extLst>
+                <a:ext uri="{FF2B5EF4-FFF2-40B4-BE49-F238E27FC236}">
+                  <a16:creationId xmlns:a16="http://schemas.microsoft.com/office/drawing/2014/main" id="{40517FCB-06AA-F148-8F5B-3D93EC5C608C}"/>
+                </a:ext>
+              </a:extLst>
+            </p:cNvPr>
+            <p:cNvSpPr>
+              <a:spLocks noChangeShapeType="1"/>
+            </p:cNvSpPr>
+            <p:nvPr/>
+          </p:nvSpPr>
+          <p:spPr bwMode="auto">
+            <a:xfrm>
+              <a:off x="2086" y="5389"/>
+              <a:ext cx="0" cy="114"/>
+            </a:xfrm>
+            <a:prstGeom prst="line">
+              <a:avLst/>
+            </a:prstGeom>
+            <a:noFill/>
+            <a:ln w="25400">
+              <a:solidFill>
+                <a:schemeClr val="tx1"/>
+              </a:solidFill>
+              <a:round/>
+              <a:headEnd/>
+              <a:tailEnd/>
+            </a:ln>
+            <a:extLst>
+              <a:ext uri="{909E8E84-426E-40DD-AFC4-6F175D3DCCD1}">
+                <a14:hiddenFill xmlns:a14="http://schemas.microsoft.com/office/drawing/2010/main">
+                  <a:noFill/>
+                </a14:hiddenFill>
+              </a:ext>
+            </a:extLst>
+          </p:spPr>
+          <p:txBody>
+            <a:bodyPr wrap="none" lIns="0" tIns="0" rIns="0" bIns="0" anchor="ctr">
+              <a:spAutoFit/>
+            </a:bodyPr>
+            <a:lstStyle/>
+            <a:p>
+              <a:endParaRPr lang="en-US"/>
+            </a:p>
+          </p:txBody>
+        </p:sp>
+        <p:sp>
+          <p:nvSpPr>
+            <p:cNvPr id="110" name="Line 75">
+              <a:extLst>
+                <a:ext uri="{FF2B5EF4-FFF2-40B4-BE49-F238E27FC236}">
+                  <a16:creationId xmlns:a16="http://schemas.microsoft.com/office/drawing/2014/main" id="{894C4BD9-0DE9-2D4F-82EF-E63AB0137E64}"/>
+                </a:ext>
+              </a:extLst>
+            </p:cNvPr>
+            <p:cNvSpPr>
+              <a:spLocks noChangeShapeType="1"/>
+            </p:cNvSpPr>
+            <p:nvPr/>
+          </p:nvSpPr>
+          <p:spPr bwMode="auto">
+            <a:xfrm>
+              <a:off x="2258" y="5290"/>
+              <a:ext cx="2" cy="218"/>
+            </a:xfrm>
+            <a:prstGeom prst="line">
+              <a:avLst/>
+            </a:prstGeom>
+            <a:noFill/>
+            <a:ln w="25400">
+              <a:solidFill>
+                <a:schemeClr val="tx1"/>
+              </a:solidFill>
+              <a:round/>
+              <a:headEnd/>
+              <a:tailEnd/>
+            </a:ln>
+            <a:extLst>
+              <a:ext uri="{909E8E84-426E-40DD-AFC4-6F175D3DCCD1}">
+                <a14:hiddenFill xmlns:a14="http://schemas.microsoft.com/office/drawing/2010/main">
+                  <a:noFill/>
+                </a14:hiddenFill>
+              </a:ext>
+            </a:extLst>
+          </p:spPr>
+          <p:txBody>
+            <a:bodyPr wrap="none" lIns="0" tIns="0" rIns="0" bIns="0" anchor="ctr">
+              <a:spAutoFit/>
+            </a:bodyPr>
+            <a:lstStyle/>
+            <a:p>
+              <a:endParaRPr lang="en-US"/>
+            </a:p>
+          </p:txBody>
+        </p:sp>
+        <p:sp>
+          <p:nvSpPr>
+            <p:cNvPr id="111" name="Freeform 76">
+              <a:extLst>
+                <a:ext uri="{FF2B5EF4-FFF2-40B4-BE49-F238E27FC236}">
+                  <a16:creationId xmlns:a16="http://schemas.microsoft.com/office/drawing/2014/main" id="{0F44124B-0362-B541-BE71-2EF3E4CC75C7}"/>
+                </a:ext>
+              </a:extLst>
+            </p:cNvPr>
+            <p:cNvSpPr>
+              <a:spLocks/>
+            </p:cNvSpPr>
+            <p:nvPr/>
+          </p:nvSpPr>
+          <p:spPr bwMode="auto">
+            <a:xfrm>
+              <a:off x="2172" y="5280"/>
+              <a:ext cx="93" cy="117"/>
+            </a:xfrm>
+            <a:custGeom>
+              <a:avLst/>
+              <a:gdLst>
+                <a:gd name="T0" fmla="*/ 0 w 102"/>
+                <a:gd name="T1" fmla="*/ 54 h 117"/>
+                <a:gd name="T2" fmla="*/ 16 w 102"/>
+                <a:gd name="T3" fmla="*/ 0 h 117"/>
+                <a:gd name="T4" fmla="*/ 16 w 102"/>
+                <a:gd name="T5" fmla="*/ 60 h 117"/>
+                <a:gd name="T6" fmla="*/ 0 w 102"/>
+                <a:gd name="T7" fmla="*/ 117 h 117"/>
+                <a:gd name="T8" fmla="*/ 0 w 102"/>
+                <a:gd name="T9" fmla="*/ 54 h 117"/>
+                <a:gd name="T10" fmla="*/ 0 60000 65536"/>
+                <a:gd name="T11" fmla="*/ 0 60000 65536"/>
+                <a:gd name="T12" fmla="*/ 0 60000 65536"/>
+                <a:gd name="T13" fmla="*/ 0 60000 65536"/>
+                <a:gd name="T14" fmla="*/ 0 60000 65536"/>
+                <a:gd name="T15" fmla="*/ 0 w 102"/>
+                <a:gd name="T16" fmla="*/ 0 h 117"/>
+                <a:gd name="T17" fmla="*/ 102 w 102"/>
+                <a:gd name="T18" fmla="*/ 117 h 117"/>
+              </a:gdLst>
+              <a:ahLst/>
+              <a:cxnLst>
+                <a:cxn ang="T10">
+                  <a:pos x="T0" y="T1"/>
+                </a:cxn>
+                <a:cxn ang="T11">
+                  <a:pos x="T2" y="T3"/>
+                </a:cxn>
+                <a:cxn ang="T12">
+                  <a:pos x="T4" y="T5"/>
+                </a:cxn>
+                <a:cxn ang="T13">
+                  <a:pos x="T6" y="T7"/>
+                </a:cxn>
+                <a:cxn ang="T14">
+                  <a:pos x="T8" y="T9"/>
+                </a:cxn>
+              </a:cxnLst>
+              <a:rect l="T15" t="T16" r="T17" b="T18"/>
+              <a:pathLst>
+                <a:path w="102" h="117">
+                  <a:moveTo>
+                    <a:pt x="0" y="54"/>
+                  </a:moveTo>
+                  <a:lnTo>
+                    <a:pt x="102" y="0"/>
+                  </a:lnTo>
+                  <a:lnTo>
+                    <a:pt x="102" y="60"/>
+                  </a:lnTo>
+                  <a:lnTo>
+                    <a:pt x="0" y="117"/>
+                  </a:lnTo>
+                  <a:lnTo>
+                    <a:pt x="0" y="54"/>
+                  </a:lnTo>
+                  <a:close/>
+                </a:path>
+              </a:pathLst>
+            </a:custGeom>
+            <a:solidFill>
+              <a:schemeClr val="accent1"/>
+            </a:solidFill>
+            <a:ln w="9525">
+              <a:solidFill>
+                <a:schemeClr val="tx1"/>
+              </a:solidFill>
+              <a:round/>
+              <a:headEnd/>
+              <a:tailEnd/>
+            </a:ln>
+          </p:spPr>
+          <p:txBody>
+            <a:bodyPr wrap="none" lIns="0" tIns="0" rIns="0" bIns="0" anchor="ctr">
+              <a:spAutoFit/>
+            </a:bodyPr>
+            <a:lstStyle/>
+            <a:p>
+              <a:endParaRPr lang="en-US"/>
+            </a:p>
+          </p:txBody>
+        </p:sp>
+      </p:grpSp>
+      <p:sp>
+        <p:nvSpPr>
+          <p:cNvPr id="124" name="Freeform 300">
+            <a:extLst>
+              <a:ext uri="{FF2B5EF4-FFF2-40B4-BE49-F238E27FC236}">
+                <a16:creationId xmlns:a16="http://schemas.microsoft.com/office/drawing/2014/main" id="{6BF0F8E3-A7F6-5646-8333-32FE3028A42C}"/>
+              </a:ext>
+            </a:extLst>
+          </p:cNvPr>
+          <p:cNvSpPr>
+            <a:spLocks/>
+          </p:cNvSpPr>
+          <p:nvPr/>
+        </p:nvSpPr>
+        <p:spPr bwMode="auto">
+          <a:xfrm flipH="1">
+            <a:off x="2950061" y="5867400"/>
+            <a:ext cx="46410" cy="1683444"/>
+          </a:xfrm>
+          <a:custGeom>
+            <a:avLst/>
+            <a:gdLst>
+              <a:gd name="T0" fmla="*/ 37683 w 42"/>
+              <a:gd name="T1" fmla="*/ 37473 h 916"/>
+              <a:gd name="T2" fmla="*/ 0 w 42"/>
+              <a:gd name="T3" fmla="*/ 71520 h 916"/>
+              <a:gd name="T4" fmla="*/ 0 w 42"/>
+              <a:gd name="T5" fmla="*/ 9914 h 916"/>
+              <a:gd name="T6" fmla="*/ 37683 w 42"/>
+              <a:gd name="T7" fmla="*/ 0 h 916"/>
+              <a:gd name="T8" fmla="*/ 37683 w 42"/>
+              <a:gd name="T9" fmla="*/ 37473 h 916"/>
+              <a:gd name="T10" fmla="*/ 0 60000 65536"/>
+              <a:gd name="T11" fmla="*/ 0 60000 65536"/>
+              <a:gd name="T12" fmla="*/ 0 60000 65536"/>
+              <a:gd name="T13" fmla="*/ 0 60000 65536"/>
+              <a:gd name="T14" fmla="*/ 0 60000 65536"/>
+              <a:gd name="T15" fmla="*/ 0 w 42"/>
+              <a:gd name="T16" fmla="*/ 0 h 916"/>
+              <a:gd name="T17" fmla="*/ 42 w 42"/>
+              <a:gd name="T18" fmla="*/ 916 h 916"/>
+            </a:gdLst>
+            <a:ahLst/>
+            <a:cxnLst>
+              <a:cxn ang="T10">
+                <a:pos x="T0" y="T1"/>
+              </a:cxn>
+              <a:cxn ang="T11">
+                <a:pos x="T2" y="T3"/>
+              </a:cxn>
+              <a:cxn ang="T12">
+                <a:pos x="T4" y="T5"/>
+              </a:cxn>
+              <a:cxn ang="T13">
+                <a:pos x="T6" y="T7"/>
+              </a:cxn>
+              <a:cxn ang="T14">
+                <a:pos x="T8" y="T9"/>
+              </a:cxn>
+            </a:cxnLst>
+            <a:rect l="T15" t="T16" r="T17" b="T18"/>
+            <a:pathLst>
+              <a:path w="42" h="916">
+                <a:moveTo>
+                  <a:pt x="42" y="480"/>
+                </a:moveTo>
+                <a:lnTo>
+                  <a:pt x="0" y="916"/>
+                </a:lnTo>
+                <a:lnTo>
+                  <a:pt x="0" y="127"/>
+                </a:lnTo>
+                <a:lnTo>
+                  <a:pt x="42" y="0"/>
+                </a:lnTo>
+                <a:lnTo>
+                  <a:pt x="42" y="480"/>
+                </a:lnTo>
+                <a:close/>
+              </a:path>
+            </a:pathLst>
+          </a:custGeom>
+          <a:solidFill>
+            <a:schemeClr val="accent1"/>
+          </a:solidFill>
+          <a:ln w="9525">
+            <a:solidFill>
+              <a:schemeClr val="tx1"/>
             </a:solidFill>
             <a:round/>
             <a:headEnd/>
             <a:tailEnd/>
           </a:ln>
-          <a:effectLst>
-            <a:outerShdw blurRad="40000" dist="20000" dir="5400000" rotWithShape="0">
-              <a:srgbClr val="808080">
-                <a:alpha val="37999"/>
-              </a:srgbClr>
-            </a:outerShdw>
-          </a:effectLst>
         </p:spPr>
-      </p:cxnSp>
-      <p:cxnSp>
-        <p:nvCxnSpPr>
-          <p:cNvPr id="272" name="Straight Connector 271">
+        <p:txBody>
+          <a:bodyPr wrap="none" anchor="ctr"/>
+          <a:lstStyle/>
+          <a:p>
+            <a:endParaRPr lang="en-US"/>
+          </a:p>
+        </p:txBody>
+      </p:sp>
+      <p:sp>
+        <p:nvSpPr>
+          <p:cNvPr id="127" name="Freeform 303">
             <a:extLst>
               <a:ext uri="{FF2B5EF4-FFF2-40B4-BE49-F238E27FC236}">
-                <a16:creationId xmlns:a16="http://schemas.microsoft.com/office/drawing/2014/main" id="{A1F27E2D-41D8-2648-8AC8-6971DCB6C561}"/>
+                <a16:creationId xmlns:a16="http://schemas.microsoft.com/office/drawing/2014/main" id="{5C6BCCAD-CA4F-C748-82FD-5F3412C7BBB6}"/>
               </a:ext>
             </a:extLst>
           </p:cNvPr>
-          <p:cNvCxnSpPr>
-            <a:cxnSpLocks noChangeShapeType="1"/>
-          </p:cNvCxnSpPr>
+          <p:cNvSpPr>
+            <a:spLocks/>
+          </p:cNvSpPr>
           <p:nvPr/>
-        </p:nvCxnSpPr>
+        </p:nvSpPr>
         <p:spPr bwMode="auto">
           <a:xfrm>
-            <a:off x="2838369" y="5284788"/>
-            <a:ext cx="76200" cy="2192337"/>
+            <a:off x="3001519" y="6337790"/>
+            <a:ext cx="1646681" cy="1239838"/>
           </a:xfrm>
-          <a:prstGeom prst="line">
+          <a:custGeom>
             <a:avLst/>
-          </a:prstGeom>
-          <a:noFill/>
-          <a:ln w="25400">
+            <a:gdLst>
+              <a:gd name="T0" fmla="*/ 19226 w 528"/>
+              <a:gd name="T1" fmla="*/ 2147483647 h 288"/>
+              <a:gd name="T2" fmla="*/ 0 w 528"/>
+              <a:gd name="T3" fmla="*/ 2147483647 h 288"/>
+              <a:gd name="T4" fmla="*/ 0 w 528"/>
+              <a:gd name="T5" fmla="*/ 0 h 288"/>
+              <a:gd name="T6" fmla="*/ 19226 w 528"/>
+              <a:gd name="T7" fmla="*/ 0 h 288"/>
+              <a:gd name="T8" fmla="*/ 19226 w 528"/>
+              <a:gd name="T9" fmla="*/ 2147483647 h 288"/>
+              <a:gd name="T10" fmla="*/ 0 60000 65536"/>
+              <a:gd name="T11" fmla="*/ 0 60000 65536"/>
+              <a:gd name="T12" fmla="*/ 0 60000 65536"/>
+              <a:gd name="T13" fmla="*/ 0 60000 65536"/>
+              <a:gd name="T14" fmla="*/ 0 60000 65536"/>
+              <a:gd name="T15" fmla="*/ 0 w 528"/>
+              <a:gd name="T16" fmla="*/ 0 h 288"/>
+              <a:gd name="T17" fmla="*/ 528 w 528"/>
+              <a:gd name="T18" fmla="*/ 288 h 288"/>
+            </a:gdLst>
+            <a:ahLst/>
+            <a:cxnLst>
+              <a:cxn ang="T10">
+                <a:pos x="T0" y="T1"/>
+              </a:cxn>
+              <a:cxn ang="T11">
+                <a:pos x="T2" y="T3"/>
+              </a:cxn>
+              <a:cxn ang="T12">
+                <a:pos x="T4" y="T5"/>
+              </a:cxn>
+              <a:cxn ang="T13">
+                <a:pos x="T6" y="T7"/>
+              </a:cxn>
+              <a:cxn ang="T14">
+                <a:pos x="T8" y="T9"/>
+              </a:cxn>
+            </a:cxnLst>
+            <a:rect l="T15" t="T16" r="T17" b="T18"/>
+            <a:pathLst>
+              <a:path w="528" h="288">
+                <a:moveTo>
+                  <a:pt x="528" y="288"/>
+                </a:moveTo>
+                <a:lnTo>
+                  <a:pt x="0" y="288"/>
+                </a:lnTo>
+                <a:lnTo>
+                  <a:pt x="0" y="0"/>
+                </a:lnTo>
+                <a:lnTo>
+                  <a:pt x="528" y="0"/>
+                </a:lnTo>
+                <a:lnTo>
+                  <a:pt x="528" y="288"/>
+                </a:lnTo>
+                <a:close/>
+              </a:path>
+            </a:pathLst>
+          </a:custGeom>
+          <a:solidFill>
+            <a:schemeClr val="accent1">
+              <a:alpha val="50195"/>
+            </a:schemeClr>
+          </a:solidFill>
+          <a:ln w="9525">
             <a:solidFill>
-              <a:schemeClr val="accent1"/>
+              <a:schemeClr val="tx1"/>
             </a:solidFill>
             <a:round/>
             <a:headEnd/>
             <a:tailEnd/>
           </a:ln>
-          <a:effectLst>
-            <a:outerShdw blurRad="40000" dist="20000" dir="5400000" rotWithShape="0">
-              <a:srgbClr val="808080">
-                <a:alpha val="37999"/>
-              </a:srgbClr>
-            </a:outerShdw>
-          </a:effectLst>
         </p:spPr>
-      </p:cxnSp>
+        <p:txBody>
+          <a:bodyPr wrap="none" anchor="ctr"/>
+          <a:lstStyle/>
+          <a:p>
+            <a:endParaRPr lang="en-US"/>
+          </a:p>
+        </p:txBody>
+      </p:sp>
     </p:spTree>
   </p:cSld>
   <p:clrMapOvr>
